--- a/Final Assignments/22년 1학기 캡스톤-발표자료-파라노이드(오장호).pptx
+++ b/Final Assignments/22년 1학기 캡스톤-발표자료-파라노이드(오장호).pptx
@@ -10,8 +10,8 @@
   <p:sldIdLst>
     <p:sldId id="257" r:id="rId2"/>
     <p:sldId id="272" r:id="rId3"/>
-    <p:sldId id="259" r:id="rId4"/>
-    <p:sldId id="260" r:id="rId5"/>
+    <p:sldId id="279" r:id="rId4"/>
+    <p:sldId id="281" r:id="rId5"/>
     <p:sldId id="269" r:id="rId6"/>
     <p:sldId id="268" r:id="rId7"/>
     <p:sldId id="265" r:id="rId8"/>
@@ -19,7 +19,7 @@
     <p:sldId id="275" r:id="rId10"/>
     <p:sldId id="276" r:id="rId11"/>
     <p:sldId id="273" r:id="rId12"/>
-    <p:sldId id="267" r:id="rId13"/>
+    <p:sldId id="282" r:id="rId13"/>
     <p:sldId id="278" r:id="rId14"/>
     <p:sldId id="277" r:id="rId15"/>
   </p:sldIdLst>
@@ -5293,7 +5293,7 @@
                   <a:prstClr val="white"/>
                 </a:solidFill>
               </a:rPr>
-              <a:t>하자 찾기 방</a:t>
+              <a:t>계약 관련 퀴즈 화면</a:t>
             </a:r>
             <a:endParaRPr lang="ko-KR" altLang="en-US" sz="1000" dirty="0">
               <a:solidFill>
@@ -6424,7 +6424,7 @@
               <a:defRPr/>
             </a:pPr>
             <a:r>
-              <a:rPr lang="en-US" altLang="ko-KR" sz="2800" b="1" i="1" kern="0">
+              <a:rPr lang="en-US" altLang="ko-KR" sz="2800" b="1" i="1" kern="0" dirty="0">
                 <a:solidFill>
                   <a:prstClr val="white"/>
                 </a:solidFill>
@@ -6432,7 +6432,7 @@
               <a:t>3. </a:t>
             </a:r>
             <a:r>
-              <a:rPr lang="ko-KR" altLang="en-US" sz="2800" b="1" i="1" kern="0">
+              <a:rPr lang="ko-KR" altLang="en-US" sz="2800" b="1" i="1" kern="0" dirty="0">
                 <a:solidFill>
                   <a:prstClr val="white"/>
                 </a:solidFill>
@@ -6463,7 +6463,7 @@
         </p:nvSpPr>
         <p:spPr>
           <a:xfrm>
-            <a:off x="324626" y="1068343"/>
+            <a:off x="328458" y="1068343"/>
             <a:ext cx="11556000" cy="5789657"/>
           </a:xfrm>
           <a:prstGeom prst="rect">
@@ -6497,20 +6497,139 @@
           <a:lstStyle/>
           <a:p>
             <a:pPr algn="ctr"/>
-            <a:endParaRPr lang="ko-KR" altLang="en-US">
-              <a:solidFill>
-                <a:prstClr val="white"/>
-              </a:solidFill>
-            </a:endParaRPr>
-          </a:p>
-        </p:txBody>
-      </p:sp>
-      <p:sp>
-        <p:nvSpPr>
-          <p:cNvPr id="10" name="사각형: 둥근 모서리 5">
-            <a:extLst>
-              <a:ext uri="{FF2B5EF4-FFF2-40B4-BE49-F238E27FC236}">
-                <a16:creationId xmlns:a16="http://schemas.microsoft.com/office/drawing/2014/main" id="{29433077-90B3-4432-AB1E-87BD95D8FF5C}"/>
+            <a:r>
+              <a:rPr lang="ko-KR" altLang="en-US">
+                <a:solidFill>
+                  <a:prstClr val="white"/>
+                </a:solidFill>
+              </a:rPr>
+              <a:t>ㅋ</a:t>
+            </a:r>
+          </a:p>
+        </p:txBody>
+      </p:sp>
+      <p:sp>
+        <p:nvSpPr>
+          <p:cNvPr id="63" name="직사각형 62"/>
+          <p:cNvSpPr/>
+          <p:nvPr/>
+        </p:nvSpPr>
+        <p:spPr>
+          <a:xfrm>
+            <a:off x="7262724" y="2091221"/>
+            <a:ext cx="4432500" cy="2260683"/>
+          </a:xfrm>
+          <a:prstGeom prst="rect">
+            <a:avLst/>
+          </a:prstGeom>
+        </p:spPr>
+        <p:txBody>
+          <a:bodyPr wrap="square">
+            <a:spAutoFit/>
+          </a:bodyPr>
+          <a:lstStyle/>
+          <a:p>
+            <a:pPr>
+              <a:lnSpc>
+                <a:spcPct val="150000"/>
+              </a:lnSpc>
+            </a:pPr>
+            <a:r>
+              <a:rPr lang="ko-KR" altLang="en-US" sz="1600" dirty="0"/>
+              <a:t> 실제 자취방을 구하는 단계에 있거나 구할 계획이 있는 주변 잠재적 소비자에게 직접 시뮬레이터 체험의 기회를 제공하는 등의 방식을 통해 피드백을 얻어 장점을 극대화하고 단점을 개선하는 방식을 통해 더욱 완성도 높은 시뮬레이터로 마무리 지을 것입니다</a:t>
+            </a:r>
+            <a:r>
+              <a:rPr lang="en-US" altLang="ko-KR" sz="1600" dirty="0"/>
+              <a:t>.</a:t>
+            </a:r>
+          </a:p>
+        </p:txBody>
+      </p:sp>
+      <p:sp>
+        <p:nvSpPr>
+          <p:cNvPr id="49" name="직사각형 48"/>
+          <p:cNvSpPr/>
+          <p:nvPr/>
+        </p:nvSpPr>
+        <p:spPr>
+          <a:xfrm>
+            <a:off x="438379" y="5962971"/>
+            <a:ext cx="5123435" cy="481029"/>
+          </a:xfrm>
+          <a:prstGeom prst="rect">
+            <a:avLst/>
+          </a:prstGeom>
+        </p:spPr>
+        <p:txBody>
+          <a:bodyPr wrap="square">
+            <a:spAutoFit/>
+          </a:bodyPr>
+          <a:lstStyle/>
+          <a:p>
+            <a:pPr marL="171450" indent="-171450">
+              <a:lnSpc>
+                <a:spcPct val="150000"/>
+              </a:lnSpc>
+              <a:buFont typeface="Arial" panose="020B0604020202020204" pitchFamily="34" charset="0"/>
+              <a:buChar char="•"/>
+            </a:pPr>
+            <a:r>
+              <a:rPr lang="ko-KR" altLang="en-US" sz="900" dirty="0" err="1"/>
+              <a:t>맹하경</a:t>
+            </a:r>
+            <a:r>
+              <a:rPr lang="en-US" altLang="ko-KR" sz="900" dirty="0"/>
+              <a:t>, “</a:t>
+            </a:r>
+            <a:r>
+              <a:rPr lang="ko-KR" altLang="en-US" sz="900" dirty="0"/>
+              <a:t>코로나에 막힌 </a:t>
+            </a:r>
+            <a:r>
+              <a:rPr lang="ko-KR" altLang="en-US" sz="900" dirty="0" err="1"/>
+              <a:t>집구경</a:t>
+            </a:r>
+            <a:r>
+              <a:rPr lang="ko-KR" altLang="en-US" sz="900" dirty="0"/>
+              <a:t> </a:t>
+            </a:r>
+            <a:r>
+              <a:rPr lang="en-US" altLang="ko-KR" sz="900" dirty="0"/>
+              <a:t>‘VR </a:t>
+            </a:r>
+            <a:r>
+              <a:rPr lang="ko-KR" altLang="en-US" sz="900" dirty="0" err="1"/>
+              <a:t>발품팔이</a:t>
+            </a:r>
+            <a:r>
+              <a:rPr lang="en-US" altLang="ko-KR" sz="900" dirty="0"/>
+              <a:t>’</a:t>
+            </a:r>
+            <a:r>
+              <a:rPr lang="ko-KR" altLang="en-US" sz="900" dirty="0"/>
+              <a:t>로 대신한다</a:t>
+            </a:r>
+            <a:r>
+              <a:rPr lang="en-US" altLang="ko-KR" sz="900" dirty="0"/>
+              <a:t>”, </a:t>
+            </a:r>
+            <a:r>
+              <a:rPr lang="ko-KR" altLang="en-US" sz="900" dirty="0"/>
+              <a:t>한국일보</a:t>
+            </a:r>
+            <a:r>
+              <a:rPr lang="en-US" altLang="ko-KR" sz="900" dirty="0"/>
+              <a:t>, https://www.hankookilbo.com/News/Read/202004061549732280</a:t>
+            </a:r>
+          </a:p>
+        </p:txBody>
+      </p:sp>
+      <p:sp>
+        <p:nvSpPr>
+          <p:cNvPr id="13" name="사각형: 둥근 모서리 5">
+            <a:extLst>
+              <a:ext uri="{FF2B5EF4-FFF2-40B4-BE49-F238E27FC236}">
+                <a16:creationId xmlns:a16="http://schemas.microsoft.com/office/drawing/2014/main" id="{9C2BA00D-A9D4-9B94-5A66-B911CF5AC110}"/>
               </a:ext>
             </a:extLst>
           </p:cNvPr>
@@ -6581,216 +6700,12 @@
           </a:p>
         </p:txBody>
       </p:sp>
-      <p:sp>
-        <p:nvSpPr>
-          <p:cNvPr id="40" name="직사각형 39">
-            <a:extLst>
-              <a:ext uri="{FF2B5EF4-FFF2-40B4-BE49-F238E27FC236}">
-                <a16:creationId xmlns:a16="http://schemas.microsoft.com/office/drawing/2014/main" id="{3FA00699-5178-465A-9F3F-130CF1431F70}"/>
-              </a:ext>
-            </a:extLst>
-          </p:cNvPr>
-          <p:cNvSpPr/>
-          <p:nvPr/>
-        </p:nvSpPr>
-        <p:spPr>
-          <a:xfrm>
-            <a:off x="420723" y="5525543"/>
-            <a:ext cx="4747625" cy="481029"/>
-          </a:xfrm>
-          <a:prstGeom prst="rect">
-            <a:avLst/>
-          </a:prstGeom>
-        </p:spPr>
-        <p:txBody>
-          <a:bodyPr wrap="square">
-            <a:spAutoFit/>
-          </a:bodyPr>
-          <a:lstStyle/>
-          <a:p>
-            <a:pPr>
-              <a:lnSpc>
-                <a:spcPct val="150000"/>
-              </a:lnSpc>
-            </a:pPr>
-            <a:r>
-              <a:rPr lang="en-US" altLang="ko-KR" sz="900" b="1">
-                <a:solidFill>
-                  <a:srgbClr val="44546A">
-                    <a:lumMod val="75000"/>
-                  </a:srgbClr>
-                </a:solidFill>
-              </a:rPr>
-              <a:t>* </a:t>
-            </a:r>
-            <a:r>
-              <a:rPr lang="ko-KR" altLang="en-US" sz="900"/>
-              <a:t>코로나에 막힌 집구경 ‘</a:t>
-            </a:r>
-            <a:r>
-              <a:rPr lang="en-US" altLang="ko-KR" sz="900"/>
-              <a:t>VR </a:t>
-            </a:r>
-            <a:r>
-              <a:rPr lang="ko-KR" altLang="en-US" sz="900"/>
-              <a:t>발품팔이’로 대신한다 </a:t>
-            </a:r>
-            <a:r>
-              <a:rPr lang="en-US" altLang="ko-KR" sz="900"/>
-              <a:t>/ </a:t>
-            </a:r>
-            <a:r>
-              <a:rPr lang="ko-KR" altLang="en-US" sz="900"/>
-              <a:t>출처 </a:t>
-            </a:r>
-            <a:r>
-              <a:rPr lang="en-US" altLang="ko-KR" sz="900"/>
-              <a:t>: </a:t>
-            </a:r>
-            <a:r>
-              <a:rPr lang="ko-KR" altLang="en-US" sz="900"/>
-              <a:t>한국일보</a:t>
-            </a:r>
-            <a:r>
-              <a:rPr lang="en-US" altLang="ko-KR" sz="900"/>
-              <a:t>(</a:t>
-            </a:r>
-            <a:r>
-              <a:rPr lang="en-US" altLang="ko-KR" sz="900" b="1">
-                <a:solidFill>
-                  <a:srgbClr val="44546A">
-                    <a:lumMod val="75000"/>
-                  </a:srgbClr>
-                </a:solidFill>
-              </a:rPr>
-              <a:t>https://www.hankookilbo.com/News/Read/202004061549732280)</a:t>
-            </a:r>
-            <a:endParaRPr lang="ko-KR" altLang="en-US" sz="900" dirty="0">
-              <a:solidFill>
-                <a:prstClr val="black">
-                  <a:lumMod val="65000"/>
-                  <a:lumOff val="35000"/>
-                </a:prstClr>
-              </a:solidFill>
-            </a:endParaRPr>
-          </a:p>
-        </p:txBody>
-      </p:sp>
-      <p:sp>
-        <p:nvSpPr>
-          <p:cNvPr id="47" name="직사각형 46">
-            <a:extLst>
-              <a:ext uri="{FF2B5EF4-FFF2-40B4-BE49-F238E27FC236}">
-                <a16:creationId xmlns:a16="http://schemas.microsoft.com/office/drawing/2014/main" id="{3FA00699-5178-465A-9F3F-130CF1431F70}"/>
-              </a:ext>
-            </a:extLst>
-          </p:cNvPr>
-          <p:cNvSpPr/>
-          <p:nvPr/>
-        </p:nvSpPr>
-        <p:spPr>
-          <a:xfrm>
-            <a:off x="6756717" y="2264097"/>
-            <a:ext cx="4469818" cy="2169825"/>
-          </a:xfrm>
-          <a:prstGeom prst="rect">
-            <a:avLst/>
-          </a:prstGeom>
-        </p:spPr>
-        <p:txBody>
-          <a:bodyPr wrap="square">
-            <a:spAutoFit/>
-          </a:bodyPr>
-          <a:lstStyle/>
-          <a:p>
-            <a:pPr>
-              <a:lnSpc>
-                <a:spcPct val="150000"/>
-              </a:lnSpc>
-            </a:pPr>
-            <a:r>
-              <a:rPr lang="ko-KR" altLang="en-US" sz="1000">
-                <a:solidFill>
-                  <a:prstClr val="black">
-                    <a:lumMod val="65000"/>
-                    <a:lumOff val="35000"/>
-                  </a:prstClr>
-                </a:solidFill>
-              </a:rPr>
-              <a:t> </a:t>
-            </a:r>
-            <a:r>
-              <a:rPr lang="ko-KR" altLang="en-US" sz="1500" b="1">
-                <a:solidFill>
-                  <a:prstClr val="black">
-                    <a:lumMod val="65000"/>
-                    <a:lumOff val="35000"/>
-                  </a:prstClr>
-                </a:solidFill>
-              </a:rPr>
-              <a:t>실제 자취방을 구하는 단계에 있거나 구할 계획이 있는 주변 잠재적 소비자에게 직접 시뮬레이터 체험의 기회를 제공하는 등의 방식을 통해 피드백을 얻어 장점을 극대화하고 단점을 개선하는 방식을 통해 더욱 완성도 높은 시뮬레이터로 마무리 지을 것입니다</a:t>
-            </a:r>
-            <a:r>
-              <a:rPr lang="en-US" altLang="ko-KR" sz="1500" b="1">
-                <a:solidFill>
-                  <a:prstClr val="black">
-                    <a:lumMod val="65000"/>
-                    <a:lumOff val="35000"/>
-                  </a:prstClr>
-                </a:solidFill>
-              </a:rPr>
-              <a:t>.</a:t>
-            </a:r>
-          </a:p>
-        </p:txBody>
-      </p:sp>
       <p:pic>
         <p:nvPicPr>
-          <p:cNvPr id="1026" name="Picture 2" descr="코로나에 막힌 집구경 'VR 발품팔이'로 대신한다"/>
-          <p:cNvPicPr>
-            <a:picLocks noChangeAspect="1" noChangeArrowheads="1"/>
-          </p:cNvPicPr>
-          <p:nvPr/>
-        </p:nvPicPr>
-        <p:blipFill>
-          <a:blip r:embed="rId2">
-            <a:extLst>
-              <a:ext uri="{28A0092B-C50C-407E-A947-70E740481C1C}">
-                <a14:useLocalDpi xmlns:a14="http://schemas.microsoft.com/office/drawing/2010/main" val="0"/>
-              </a:ext>
-            </a:extLst>
-          </a:blip>
-          <a:srcRect/>
-          <a:stretch>
-            <a:fillRect/>
-          </a:stretch>
-        </p:blipFill>
-        <p:spPr bwMode="auto">
-          <a:xfrm>
-            <a:off x="490297" y="1169283"/>
-            <a:ext cx="5612329" cy="4314826"/>
-          </a:xfrm>
-          <a:prstGeom prst="rect">
-            <a:avLst/>
-          </a:prstGeom>
-          <a:noFill/>
-          <a:extLst>
-            <a:ext uri="{909E8E84-426E-40DD-AFC4-6F175D3DCCD1}">
-              <a14:hiddenFill xmlns:a14="http://schemas.microsoft.com/office/drawing/2010/main">
-                <a:solidFill>
-                  <a:srgbClr val="FFFFFF"/>
-                </a:solidFill>
-              </a14:hiddenFill>
-            </a:ext>
-          </a:extLst>
-        </p:spPr>
-      </p:pic>
-      <p:pic>
-        <p:nvPicPr>
-          <p:cNvPr id="16" name="그림 15">
-            <a:extLst>
-              <a:ext uri="{FF2B5EF4-FFF2-40B4-BE49-F238E27FC236}">
-                <a16:creationId xmlns:a16="http://schemas.microsoft.com/office/drawing/2014/main" id="{853F44A1-2C7C-3124-823D-86D26BE28D78}"/>
+          <p:cNvPr id="14" name="그림 13">
+            <a:extLst>
+              <a:ext uri="{FF2B5EF4-FFF2-40B4-BE49-F238E27FC236}">
+                <a16:creationId xmlns:a16="http://schemas.microsoft.com/office/drawing/2014/main" id="{40827DD7-F451-FE06-C238-46E443D48EA5}"/>
               </a:ext>
             </a:extLst>
           </p:cNvPr>
@@ -6800,7 +6715,7 @@
           <p:nvPr/>
         </p:nvPicPr>
         <p:blipFill>
-          <a:blip r:embed="rId3" cstate="print">
+          <a:blip r:embed="rId2" cstate="print">
             <a:extLst>
               <a:ext uri="{28A0092B-C50C-407E-A947-70E740481C1C}">
                 <a14:useLocalDpi xmlns:a14="http://schemas.microsoft.com/office/drawing/2010/main" val="0"/>
@@ -6823,7 +6738,7 @@
       </p:pic>
       <p:cxnSp>
         <p:nvCxnSpPr>
-          <p:cNvPr id="11" name="직선 연결선 10">
+          <p:cNvPr id="12" name="직선 연결선 11">
             <a:extLst>
               <a:ext uri="{FF2B5EF4-FFF2-40B4-BE49-F238E27FC236}">
                 <a16:creationId xmlns:a16="http://schemas.microsoft.com/office/drawing/2014/main" id="{5C067028-2E01-47AD-8DE6-64CBF7F2E79F}"/>
@@ -6837,8 +6752,8 @@
         </p:nvCxnSpPr>
         <p:spPr>
           <a:xfrm>
-            <a:off x="6503502" y="1487129"/>
-            <a:ext cx="0" cy="3600000"/>
+            <a:off x="7086600" y="2039815"/>
+            <a:ext cx="0" cy="3472962"/>
           </a:xfrm>
           <a:prstGeom prst="line">
             <a:avLst/>
@@ -6865,10 +6780,57 @@
           </a:fontRef>
         </p:style>
       </p:cxnSp>
+      <p:pic>
+        <p:nvPicPr>
+          <p:cNvPr id="11" name="Picture 2" descr="코로나에 막힌 집구경 'VR 발품팔이'로 대신한다">
+            <a:extLst>
+              <a:ext uri="{FF2B5EF4-FFF2-40B4-BE49-F238E27FC236}">
+                <a16:creationId xmlns:a16="http://schemas.microsoft.com/office/drawing/2014/main" id="{E63A8845-8B6F-6892-604D-F9B60CA5F2D4}"/>
+              </a:ext>
+            </a:extLst>
+          </p:cNvPr>
+          <p:cNvPicPr>
+            <a:picLocks noChangeAspect="1" noChangeArrowheads="1"/>
+          </p:cNvPicPr>
+          <p:nvPr/>
+        </p:nvPicPr>
+        <p:blipFill>
+          <a:blip r:embed="rId3">
+            <a:extLst>
+              <a:ext uri="{28A0092B-C50C-407E-A947-70E740481C1C}">
+                <a14:useLocalDpi xmlns:a14="http://schemas.microsoft.com/office/drawing/2010/main" val="0"/>
+              </a:ext>
+            </a:extLst>
+          </a:blip>
+          <a:srcRect/>
+          <a:stretch>
+            <a:fillRect/>
+          </a:stretch>
+        </p:blipFill>
+        <p:spPr bwMode="auto">
+          <a:xfrm>
+            <a:off x="790759" y="1478587"/>
+            <a:ext cx="5833541" cy="4314826"/>
+          </a:xfrm>
+          <a:prstGeom prst="rect">
+            <a:avLst/>
+          </a:prstGeom>
+          <a:noFill/>
+          <a:extLst>
+            <a:ext uri="{909E8E84-426E-40DD-AFC4-6F175D3DCCD1}">
+              <a14:hiddenFill xmlns:a14="http://schemas.microsoft.com/office/drawing/2010/main">
+                <a:solidFill>
+                  <a:srgbClr val="FFFFFF"/>
+                </a:solidFill>
+              </a14:hiddenFill>
+            </a:ext>
+          </a:extLst>
+        </p:spPr>
+      </p:pic>
     </p:spTree>
     <p:extLst>
       <p:ext uri="{BB962C8B-B14F-4D97-AF65-F5344CB8AC3E}">
-        <p14:creationId xmlns:p14="http://schemas.microsoft.com/office/powerpoint/2010/main" val="3001498773"/>
+        <p14:creationId xmlns:p14="http://schemas.microsoft.com/office/powerpoint/2010/main" val="3962308272"/>
       </p:ext>
     </p:extLst>
   </p:cSld>
@@ -7796,7 +7758,7 @@
         </p:nvSpPr>
         <p:spPr>
           <a:xfrm>
-            <a:off x="328458" y="1068343"/>
+            <a:off x="328458" y="1103513"/>
             <a:ext cx="11556000" cy="5789657"/>
           </a:xfrm>
           <a:prstGeom prst="rect">
@@ -7960,7 +7922,7 @@
           <a:p>
             <a:pPr algn="ctr"/>
             <a:r>
-              <a:rPr lang="en-US" altLang="ko-KR" sz="2800" b="1">
+              <a:rPr lang="en-US" altLang="ko-KR" sz="2800" b="1" dirty="0">
                 <a:solidFill>
                   <a:prstClr val="black">
                     <a:lumMod val="75000"/>
@@ -7971,7 +7933,7 @@
               <a:t>1. </a:t>
             </a:r>
             <a:r>
-              <a:rPr lang="ko-KR" altLang="en-US" sz="2800" b="1">
+              <a:rPr lang="ko-KR" altLang="en-US" sz="2800" b="1" dirty="0">
                 <a:solidFill>
                   <a:prstClr val="black">
                     <a:lumMod val="75000"/>
@@ -8006,8 +7968,8 @@
         </p:nvSpPr>
         <p:spPr>
           <a:xfrm>
-            <a:off x="1022617" y="3715143"/>
-            <a:ext cx="3397986" cy="2077492"/>
+            <a:off x="1025668" y="3699761"/>
+            <a:ext cx="3397986" cy="1660519"/>
           </a:xfrm>
           <a:prstGeom prst="rect">
             <a:avLst/>
@@ -8025,7 +7987,7 @@
               </a:lnSpc>
             </a:pPr>
             <a:r>
-              <a:rPr lang="ko-KR" altLang="en-US" b="1">
+              <a:rPr lang="ko-KR" altLang="en-US" b="1" dirty="0">
                 <a:solidFill>
                   <a:prstClr val="black">
                     <a:lumMod val="75000"/>
@@ -8035,7 +7997,7 @@
               </a:rPr>
               <a:t>개발 이유 및 목표</a:t>
             </a:r>
-            <a:endParaRPr lang="en-US" altLang="ko-KR" b="1">
+            <a:endParaRPr lang="en-US" altLang="ko-KR" b="1" dirty="0">
               <a:solidFill>
                 <a:prstClr val="black">
                   <a:lumMod val="75000"/>
@@ -8050,7 +8012,7 @@
                 <a:spcPct val="150000"/>
               </a:lnSpc>
             </a:pPr>
-            <a:endParaRPr lang="en-US" altLang="ko-KR" b="1">
+            <a:endParaRPr lang="en-US" altLang="ko-KR" b="1" dirty="0">
               <a:solidFill>
                 <a:prstClr val="black">
                   <a:lumMod val="75000"/>
@@ -8065,7 +8027,7 @@
                 <a:spcPct val="150000"/>
               </a:lnSpc>
             </a:pPr>
-            <a:endParaRPr lang="ko-KR" altLang="en-US" b="1">
+            <a:endParaRPr lang="ko-KR" altLang="en-US" b="1" dirty="0">
               <a:solidFill>
                 <a:prstClr val="black">
                   <a:lumMod val="75000"/>
@@ -8081,7 +8043,7 @@
               </a:lnSpc>
             </a:pPr>
             <a:r>
-              <a:rPr lang="ko-KR" altLang="en-US" sz="1600">
+              <a:rPr lang="ko-KR" altLang="en-US" sz="1600" dirty="0">
                 <a:solidFill>
                   <a:prstClr val="black">
                     <a:lumMod val="75000"/>
@@ -8089,16 +8051,8 @@
                   </a:prstClr>
                 </a:solidFill>
               </a:rPr>
-              <a:t>본 프로젝트를 시작하게 된 이유와 목표</a:t>
-            </a:r>
-            <a:endParaRPr lang="ko-KR" altLang="en-US" sz="1600" dirty="0">
-              <a:solidFill>
-                <a:prstClr val="black">
-                  <a:lumMod val="75000"/>
-                  <a:lumOff val="25000"/>
-                </a:prstClr>
-              </a:solidFill>
-            </a:endParaRPr>
+              <a:t>프로젝트를 시작한 이유와 목표</a:t>
+            </a:r>
           </a:p>
         </p:txBody>
       </p:sp>
@@ -8299,7 +8253,7 @@
           <a:p>
             <a:pPr algn="ctr"/>
             <a:r>
-              <a:rPr lang="en-US" altLang="ko-KR" sz="2800" b="1">
+              <a:rPr lang="en-US" altLang="ko-KR" sz="2800" b="1" dirty="0">
                 <a:solidFill>
                   <a:prstClr val="black">
                     <a:lumMod val="75000"/>
@@ -8310,7 +8264,7 @@
               <a:t>2. </a:t>
             </a:r>
             <a:r>
-              <a:rPr lang="ko-KR" altLang="en-US" sz="2800" b="1">
+              <a:rPr lang="ko-KR" altLang="en-US" sz="2800" b="1" dirty="0">
                 <a:solidFill>
                   <a:prstClr val="black">
                     <a:lumMod val="75000"/>
@@ -8345,7 +8299,7 @@
         </p:nvSpPr>
         <p:spPr>
           <a:xfrm>
-            <a:off x="4541786" y="3771705"/>
+            <a:off x="4609082" y="3774044"/>
             <a:ext cx="2994752" cy="1661993"/>
           </a:xfrm>
           <a:prstGeom prst="rect">
@@ -8364,7 +8318,7 @@
               </a:lnSpc>
             </a:pPr>
             <a:r>
-              <a:rPr lang="ko-KR" altLang="en-US" b="1">
+              <a:rPr lang="ko-KR" altLang="en-US" b="1" dirty="0">
                 <a:solidFill>
                   <a:prstClr val="black">
                     <a:lumMod val="75000"/>
@@ -8374,7 +8328,7 @@
               </a:rPr>
               <a:t>프로젝트 구성 </a:t>
             </a:r>
-            <a:endParaRPr lang="en-US" altLang="ko-KR" b="1">
+            <a:endParaRPr lang="en-US" altLang="ko-KR" b="1" dirty="0">
               <a:solidFill>
                 <a:prstClr val="black">
                   <a:lumMod val="75000"/>
@@ -8404,7 +8358,7 @@
                 <a:spcPct val="150000"/>
               </a:lnSpc>
             </a:pPr>
-            <a:endParaRPr lang="en-US" altLang="ko-KR" sz="1600">
+            <a:endParaRPr lang="en-US" altLang="ko-KR" sz="1600" dirty="0">
               <a:solidFill>
                 <a:prstClr val="black">
                   <a:lumMod val="75000"/>
@@ -8420,7 +8374,7 @@
               </a:lnSpc>
             </a:pPr>
             <a:r>
-              <a:rPr lang="ko-KR" altLang="en-US" sz="1600">
+              <a:rPr lang="ko-KR" altLang="en-US" sz="1600" dirty="0">
                 <a:solidFill>
                   <a:prstClr val="black">
                     <a:lumMod val="75000"/>
@@ -8563,7 +8517,7 @@
           <a:p>
             <a:pPr algn="ctr"/>
             <a:r>
-              <a:rPr lang="en-US" altLang="ko-KR" sz="2800" b="1">
+              <a:rPr lang="en-US" altLang="ko-KR" sz="2800" b="1" dirty="0">
                 <a:solidFill>
                   <a:prstClr val="black">
                     <a:lumMod val="75000"/>
@@ -8574,7 +8528,7 @@
               <a:t>3. </a:t>
             </a:r>
             <a:r>
-              <a:rPr lang="ko-KR" altLang="en-US" sz="2800" b="1">
+              <a:rPr lang="ko-KR" altLang="en-US" sz="2800" b="1" dirty="0">
                 <a:solidFill>
                   <a:prstClr val="black">
                     <a:lumMod val="75000"/>
@@ -8634,10 +8588,10 @@
       </p:cxnSp>
       <p:sp>
         <p:nvSpPr>
-          <p:cNvPr id="62" name="직사각형 61">
-            <a:extLst>
-              <a:ext uri="{FF2B5EF4-FFF2-40B4-BE49-F238E27FC236}">
-                <a16:creationId xmlns:a16="http://schemas.microsoft.com/office/drawing/2014/main" id="{3FA00699-5178-465A-9F3F-130CF1431F70}"/>
+          <p:cNvPr id="24" name="직사각형 23">
+            <a:extLst>
+              <a:ext uri="{FF2B5EF4-FFF2-40B4-BE49-F238E27FC236}">
+                <a16:creationId xmlns:a16="http://schemas.microsoft.com/office/drawing/2014/main" id="{98A7E722-0EF0-DC49-D668-F10E5B0205D8}"/>
               </a:ext>
             </a:extLst>
           </p:cNvPr>
@@ -8646,8 +8600,8 @@
         </p:nvSpPr>
         <p:spPr>
           <a:xfrm>
-            <a:off x="7891272" y="3781138"/>
-            <a:ext cx="2994752" cy="454292"/>
+            <a:off x="7951969" y="3768576"/>
+            <a:ext cx="2994752" cy="1614353"/>
           </a:xfrm>
           <a:prstGeom prst="rect">
             <a:avLst/>
@@ -8665,7 +8619,7 @@
               </a:lnSpc>
             </a:pPr>
             <a:r>
-              <a:rPr lang="ko-KR" altLang="en-US" b="1">
+              <a:rPr lang="ko-KR" altLang="en-US" b="1" dirty="0">
                 <a:solidFill>
                   <a:prstClr val="black">
                     <a:lumMod val="75000"/>
@@ -8673,7 +8627,7 @@
                   </a:prstClr>
                 </a:solidFill>
               </a:rPr>
-              <a:t>추후 목표 및 계획</a:t>
+              <a:t>추후 목표 및 계획 </a:t>
             </a:r>
             <a:endParaRPr lang="en-US" altLang="ko-KR" b="1" dirty="0">
               <a:solidFill>
@@ -8684,52 +8638,13 @@
               </a:solidFill>
             </a:endParaRPr>
           </a:p>
-        </p:txBody>
-      </p:sp>
-      <p:sp>
-        <p:nvSpPr>
-          <p:cNvPr id="23" name="직사각형 22">
-            <a:extLst>
-              <a:ext uri="{FF2B5EF4-FFF2-40B4-BE49-F238E27FC236}">
-                <a16:creationId xmlns:a16="http://schemas.microsoft.com/office/drawing/2014/main" id="{3FA00699-5178-465A-9F3F-130CF1431F70}"/>
-              </a:ext>
-            </a:extLst>
-          </p:cNvPr>
-          <p:cNvSpPr/>
-          <p:nvPr/>
-        </p:nvSpPr>
-        <p:spPr>
-          <a:xfrm>
-            <a:off x="7951969" y="4933880"/>
-            <a:ext cx="2994752" cy="414024"/>
-          </a:xfrm>
-          <a:prstGeom prst="rect">
-            <a:avLst/>
-          </a:prstGeom>
-        </p:spPr>
-        <p:txBody>
-          <a:bodyPr wrap="square">
-            <a:spAutoFit/>
-          </a:bodyPr>
-          <a:lstStyle/>
           <a:p>
             <a:pPr algn="ctr">
               <a:lnSpc>
                 <a:spcPct val="150000"/>
               </a:lnSpc>
             </a:pPr>
-            <a:r>
-              <a:rPr lang="ko-KR" altLang="en-US" sz="1600">
-                <a:solidFill>
-                  <a:prstClr val="black">
-                    <a:lumMod val="75000"/>
-                    <a:lumOff val="25000"/>
-                  </a:prstClr>
-                </a:solidFill>
-              </a:rPr>
-              <a:t>본 프로젝트 이후의 계획</a:t>
-            </a:r>
-            <a:endParaRPr lang="ko-KR" altLang="en-US" sz="1600" dirty="0">
+            <a:endParaRPr lang="en-US" altLang="ko-KR" b="1" dirty="0">
               <a:solidFill>
                 <a:prstClr val="black">
                   <a:lumMod val="75000"/>
@@ -8737,6 +8652,39 @@
                 </a:prstClr>
               </a:solidFill>
             </a:endParaRPr>
+          </a:p>
+          <a:p>
+            <a:pPr algn="ctr">
+              <a:lnSpc>
+                <a:spcPct val="150000"/>
+              </a:lnSpc>
+            </a:pPr>
+            <a:endParaRPr lang="en-US" altLang="ko-KR" sz="1600" dirty="0">
+              <a:solidFill>
+                <a:prstClr val="black">
+                  <a:lumMod val="75000"/>
+                  <a:lumOff val="25000"/>
+                </a:prstClr>
+              </a:solidFill>
+            </a:endParaRPr>
+          </a:p>
+          <a:p>
+            <a:pPr algn="ctr">
+              <a:lnSpc>
+                <a:spcPct val="150000"/>
+              </a:lnSpc>
+            </a:pPr>
+            <a:r>
+              <a:rPr lang="ko-KR" altLang="en-US" sz="1600" dirty="0">
+                <a:solidFill>
+                  <a:prstClr val="black">
+                    <a:lumMod val="75000"/>
+                    <a:lumOff val="25000"/>
+                  </a:prstClr>
+                </a:solidFill>
+              </a:rPr>
+              <a:t>본 프로젝트 이후의 계획</a:t>
+            </a:r>
           </a:p>
         </p:txBody>
       </p:sp>
@@ -8750,6 +8698,560 @@
   <p:clrMapOvr>
     <a:masterClrMapping/>
   </p:clrMapOvr>
+  <p:timing>
+    <p:tnLst>
+      <p:par>
+        <p:cTn id="1" dur="indefinite" restart="never" nodeType="tmRoot">
+          <p:childTnLst>
+            <p:seq concurrent="1" nextAc="seek">
+              <p:cTn id="2" dur="indefinite" nodeType="mainSeq">
+                <p:childTnLst>
+                  <p:par>
+                    <p:cTn id="3" fill="hold">
+                      <p:stCondLst>
+                        <p:cond delay="indefinite"/>
+                        <p:cond evt="onBegin" delay="0">
+                          <p:tn val="2"/>
+                        </p:cond>
+                      </p:stCondLst>
+                      <p:childTnLst>
+                        <p:par>
+                          <p:cTn id="4" fill="hold">
+                            <p:stCondLst>
+                              <p:cond delay="0"/>
+                            </p:stCondLst>
+                            <p:childTnLst>
+                              <p:par>
+                                <p:cTn id="5" presetID="10" presetClass="entr" presetSubtype="0" fill="hold" grpId="0" nodeType="afterEffect">
+                                  <p:stCondLst>
+                                    <p:cond delay="0"/>
+                                  </p:stCondLst>
+                                  <p:childTnLst>
+                                    <p:set>
+                                      <p:cBhvr>
+                                        <p:cTn id="6" dur="1" fill="hold">
+                                          <p:stCondLst>
+                                            <p:cond delay="0"/>
+                                          </p:stCondLst>
+                                        </p:cTn>
+                                        <p:tgtEl>
+                                          <p:spTgt spid="28"/>
+                                        </p:tgtEl>
+                                        <p:attrNameLst>
+                                          <p:attrName>style.visibility</p:attrName>
+                                        </p:attrNameLst>
+                                      </p:cBhvr>
+                                      <p:to>
+                                        <p:strVal val="visible"/>
+                                      </p:to>
+                                    </p:set>
+                                    <p:animEffect transition="in" filter="fade">
+                                      <p:cBhvr>
+                                        <p:cTn id="7" dur="500"/>
+                                        <p:tgtEl>
+                                          <p:spTgt spid="28"/>
+                                        </p:tgtEl>
+                                      </p:cBhvr>
+                                    </p:animEffect>
+                                  </p:childTnLst>
+                                </p:cTn>
+                              </p:par>
+                            </p:childTnLst>
+                          </p:cTn>
+                        </p:par>
+                        <p:par>
+                          <p:cTn id="8" fill="hold">
+                            <p:stCondLst>
+                              <p:cond delay="500"/>
+                            </p:stCondLst>
+                            <p:childTnLst>
+                              <p:par>
+                                <p:cTn id="9" presetID="10" presetClass="entr" presetSubtype="0" fill="hold" grpId="0" nodeType="afterEffect">
+                                  <p:stCondLst>
+                                    <p:cond delay="0"/>
+                                  </p:stCondLst>
+                                  <p:childTnLst>
+                                    <p:set>
+                                      <p:cBhvr>
+                                        <p:cTn id="10" dur="1" fill="hold">
+                                          <p:stCondLst>
+                                            <p:cond delay="0"/>
+                                          </p:stCondLst>
+                                        </p:cTn>
+                                        <p:tgtEl>
+                                          <p:spTgt spid="33"/>
+                                        </p:tgtEl>
+                                        <p:attrNameLst>
+                                          <p:attrName>style.visibility</p:attrName>
+                                        </p:attrNameLst>
+                                      </p:cBhvr>
+                                      <p:to>
+                                        <p:strVal val="visible"/>
+                                      </p:to>
+                                    </p:set>
+                                    <p:animEffect transition="in" filter="fade">
+                                      <p:cBhvr>
+                                        <p:cTn id="11" dur="500"/>
+                                        <p:tgtEl>
+                                          <p:spTgt spid="33"/>
+                                        </p:tgtEl>
+                                      </p:cBhvr>
+                                    </p:animEffect>
+                                  </p:childTnLst>
+                                </p:cTn>
+                              </p:par>
+                              <p:par>
+                                <p:cTn id="12" presetID="10" presetClass="entr" presetSubtype="0" fill="hold" nodeType="withEffect">
+                                  <p:stCondLst>
+                                    <p:cond delay="0"/>
+                                  </p:stCondLst>
+                                  <p:childTnLst>
+                                    <p:set>
+                                      <p:cBhvr>
+                                        <p:cTn id="13" dur="1" fill="hold">
+                                          <p:stCondLst>
+                                            <p:cond delay="0"/>
+                                          </p:stCondLst>
+                                        </p:cTn>
+                                        <p:tgtEl>
+                                          <p:spTgt spid="29"/>
+                                        </p:tgtEl>
+                                        <p:attrNameLst>
+                                          <p:attrName>style.visibility</p:attrName>
+                                        </p:attrNameLst>
+                                      </p:cBhvr>
+                                      <p:to>
+                                        <p:strVal val="visible"/>
+                                      </p:to>
+                                    </p:set>
+                                    <p:animEffect transition="in" filter="fade">
+                                      <p:cBhvr>
+                                        <p:cTn id="14" dur="500"/>
+                                        <p:tgtEl>
+                                          <p:spTgt spid="29"/>
+                                        </p:tgtEl>
+                                      </p:cBhvr>
+                                    </p:animEffect>
+                                  </p:childTnLst>
+                                </p:cTn>
+                              </p:par>
+                            </p:childTnLst>
+                          </p:cTn>
+                        </p:par>
+                        <p:par>
+                          <p:cTn id="15" fill="hold">
+                            <p:stCondLst>
+                              <p:cond delay="1000"/>
+                            </p:stCondLst>
+                            <p:childTnLst>
+                              <p:par>
+                                <p:cTn id="16" presetID="10" presetClass="entr" presetSubtype="0" fill="hold" grpId="0" nodeType="afterEffect">
+                                  <p:stCondLst>
+                                    <p:cond delay="0"/>
+                                  </p:stCondLst>
+                                  <p:childTnLst>
+                                    <p:set>
+                                      <p:cBhvr>
+                                        <p:cTn id="17" dur="1" fill="hold">
+                                          <p:stCondLst>
+                                            <p:cond delay="0"/>
+                                          </p:stCondLst>
+                                        </p:cTn>
+                                        <p:tgtEl>
+                                          <p:spTgt spid="34"/>
+                                        </p:tgtEl>
+                                        <p:attrNameLst>
+                                          <p:attrName>style.visibility</p:attrName>
+                                        </p:attrNameLst>
+                                      </p:cBhvr>
+                                      <p:to>
+                                        <p:strVal val="visible"/>
+                                      </p:to>
+                                    </p:set>
+                                    <p:animEffect transition="in" filter="fade">
+                                      <p:cBhvr>
+                                        <p:cTn id="18" dur="500"/>
+                                        <p:tgtEl>
+                                          <p:spTgt spid="34"/>
+                                        </p:tgtEl>
+                                      </p:cBhvr>
+                                    </p:animEffect>
+                                  </p:childTnLst>
+                                </p:cTn>
+                              </p:par>
+                            </p:childTnLst>
+                          </p:cTn>
+                        </p:par>
+                        <p:par>
+                          <p:cTn id="19" fill="hold">
+                            <p:stCondLst>
+                              <p:cond delay="1500"/>
+                            </p:stCondLst>
+                            <p:childTnLst>
+                              <p:par>
+                                <p:cTn id="20" presetID="10" presetClass="entr" presetSubtype="0" fill="hold" grpId="0" nodeType="afterEffect">
+                                  <p:stCondLst>
+                                    <p:cond delay="0"/>
+                                  </p:stCondLst>
+                                  <p:childTnLst>
+                                    <p:set>
+                                      <p:cBhvr>
+                                        <p:cTn id="21" dur="1" fill="hold">
+                                          <p:stCondLst>
+                                            <p:cond delay="0"/>
+                                          </p:stCondLst>
+                                        </p:cTn>
+                                        <p:tgtEl>
+                                          <p:spTgt spid="19"/>
+                                        </p:tgtEl>
+                                        <p:attrNameLst>
+                                          <p:attrName>style.visibility</p:attrName>
+                                        </p:attrNameLst>
+                                      </p:cBhvr>
+                                      <p:to>
+                                        <p:strVal val="visible"/>
+                                      </p:to>
+                                    </p:set>
+                                    <p:animEffect transition="in" filter="fade">
+                                      <p:cBhvr>
+                                        <p:cTn id="22" dur="500"/>
+                                        <p:tgtEl>
+                                          <p:spTgt spid="19"/>
+                                        </p:tgtEl>
+                                      </p:cBhvr>
+                                    </p:animEffect>
+                                  </p:childTnLst>
+                                </p:cTn>
+                              </p:par>
+                            </p:childTnLst>
+                          </p:cTn>
+                        </p:par>
+                        <p:par>
+                          <p:cTn id="23" fill="hold">
+                            <p:stCondLst>
+                              <p:cond delay="2000"/>
+                            </p:stCondLst>
+                            <p:childTnLst>
+                              <p:par>
+                                <p:cTn id="24" presetID="10" presetClass="entr" presetSubtype="0" fill="hold" grpId="0" nodeType="afterEffect">
+                                  <p:stCondLst>
+                                    <p:cond delay="0"/>
+                                  </p:stCondLst>
+                                  <p:childTnLst>
+                                    <p:set>
+                                      <p:cBhvr>
+                                        <p:cTn id="25" dur="1" fill="hold">
+                                          <p:stCondLst>
+                                            <p:cond delay="0"/>
+                                          </p:stCondLst>
+                                        </p:cTn>
+                                        <p:tgtEl>
+                                          <p:spTgt spid="54"/>
+                                        </p:tgtEl>
+                                        <p:attrNameLst>
+                                          <p:attrName>style.visibility</p:attrName>
+                                        </p:attrNameLst>
+                                      </p:cBhvr>
+                                      <p:to>
+                                        <p:strVal val="visible"/>
+                                      </p:to>
+                                    </p:set>
+                                    <p:animEffect transition="in" filter="fade">
+                                      <p:cBhvr>
+                                        <p:cTn id="26" dur="500"/>
+                                        <p:tgtEl>
+                                          <p:spTgt spid="54"/>
+                                        </p:tgtEl>
+                                      </p:cBhvr>
+                                    </p:animEffect>
+                                  </p:childTnLst>
+                                </p:cTn>
+                              </p:par>
+                              <p:par>
+                                <p:cTn id="27" presetID="10" presetClass="entr" presetSubtype="0" fill="hold" nodeType="withEffect">
+                                  <p:stCondLst>
+                                    <p:cond delay="0"/>
+                                  </p:stCondLst>
+                                  <p:childTnLst>
+                                    <p:set>
+                                      <p:cBhvr>
+                                        <p:cTn id="28" dur="1" fill="hold">
+                                          <p:stCondLst>
+                                            <p:cond delay="0"/>
+                                          </p:stCondLst>
+                                        </p:cTn>
+                                        <p:tgtEl>
+                                          <p:spTgt spid="50"/>
+                                        </p:tgtEl>
+                                        <p:attrNameLst>
+                                          <p:attrName>style.visibility</p:attrName>
+                                        </p:attrNameLst>
+                                      </p:cBhvr>
+                                      <p:to>
+                                        <p:strVal val="visible"/>
+                                      </p:to>
+                                    </p:set>
+                                    <p:animEffect transition="in" filter="fade">
+                                      <p:cBhvr>
+                                        <p:cTn id="29" dur="500"/>
+                                        <p:tgtEl>
+                                          <p:spTgt spid="50"/>
+                                        </p:tgtEl>
+                                      </p:cBhvr>
+                                    </p:animEffect>
+                                  </p:childTnLst>
+                                </p:cTn>
+                              </p:par>
+                            </p:childTnLst>
+                          </p:cTn>
+                        </p:par>
+                        <p:par>
+                          <p:cTn id="30" fill="hold">
+                            <p:stCondLst>
+                              <p:cond delay="2500"/>
+                            </p:stCondLst>
+                            <p:childTnLst>
+                              <p:par>
+                                <p:cTn id="31" presetID="10" presetClass="entr" presetSubtype="0" fill="hold" grpId="0" nodeType="afterEffect">
+                                  <p:stCondLst>
+                                    <p:cond delay="0"/>
+                                  </p:stCondLst>
+                                  <p:childTnLst>
+                                    <p:set>
+                                      <p:cBhvr>
+                                        <p:cTn id="32" dur="1" fill="hold">
+                                          <p:stCondLst>
+                                            <p:cond delay="0"/>
+                                          </p:stCondLst>
+                                        </p:cTn>
+                                        <p:tgtEl>
+                                          <p:spTgt spid="55"/>
+                                        </p:tgtEl>
+                                        <p:attrNameLst>
+                                          <p:attrName>style.visibility</p:attrName>
+                                        </p:attrNameLst>
+                                      </p:cBhvr>
+                                      <p:to>
+                                        <p:strVal val="visible"/>
+                                      </p:to>
+                                    </p:set>
+                                    <p:animEffect transition="in" filter="fade">
+                                      <p:cBhvr>
+                                        <p:cTn id="33" dur="500"/>
+                                        <p:tgtEl>
+                                          <p:spTgt spid="55"/>
+                                        </p:tgtEl>
+                                      </p:cBhvr>
+                                    </p:animEffect>
+                                  </p:childTnLst>
+                                </p:cTn>
+                              </p:par>
+                            </p:childTnLst>
+                          </p:cTn>
+                        </p:par>
+                        <p:par>
+                          <p:cTn id="34" fill="hold">
+                            <p:stCondLst>
+                              <p:cond delay="3000"/>
+                            </p:stCondLst>
+                            <p:childTnLst>
+                              <p:par>
+                                <p:cTn id="35" presetID="10" presetClass="entr" presetSubtype="0" fill="hold" grpId="0" nodeType="afterEffect">
+                                  <p:stCondLst>
+                                    <p:cond delay="0"/>
+                                  </p:stCondLst>
+                                  <p:childTnLst>
+                                    <p:set>
+                                      <p:cBhvr>
+                                        <p:cTn id="36" dur="1" fill="hold">
+                                          <p:stCondLst>
+                                            <p:cond delay="0"/>
+                                          </p:stCondLst>
+                                        </p:cTn>
+                                        <p:tgtEl>
+                                          <p:spTgt spid="22"/>
+                                        </p:tgtEl>
+                                        <p:attrNameLst>
+                                          <p:attrName>style.visibility</p:attrName>
+                                        </p:attrNameLst>
+                                      </p:cBhvr>
+                                      <p:to>
+                                        <p:strVal val="visible"/>
+                                      </p:to>
+                                    </p:set>
+                                    <p:animEffect transition="in" filter="fade">
+                                      <p:cBhvr>
+                                        <p:cTn id="37" dur="500"/>
+                                        <p:tgtEl>
+                                          <p:spTgt spid="22"/>
+                                        </p:tgtEl>
+                                      </p:cBhvr>
+                                    </p:animEffect>
+                                  </p:childTnLst>
+                                </p:cTn>
+                              </p:par>
+                            </p:childTnLst>
+                          </p:cTn>
+                        </p:par>
+                        <p:par>
+                          <p:cTn id="38" fill="hold">
+                            <p:stCondLst>
+                              <p:cond delay="3500"/>
+                            </p:stCondLst>
+                            <p:childTnLst>
+                              <p:par>
+                                <p:cTn id="39" presetID="10" presetClass="entr" presetSubtype="0" fill="hold" grpId="0" nodeType="afterEffect">
+                                  <p:stCondLst>
+                                    <p:cond delay="0"/>
+                                  </p:stCondLst>
+                                  <p:childTnLst>
+                                    <p:set>
+                                      <p:cBhvr>
+                                        <p:cTn id="40" dur="1" fill="hold">
+                                          <p:stCondLst>
+                                            <p:cond delay="0"/>
+                                          </p:stCondLst>
+                                        </p:cTn>
+                                        <p:tgtEl>
+                                          <p:spTgt spid="61"/>
+                                        </p:tgtEl>
+                                        <p:attrNameLst>
+                                          <p:attrName>style.visibility</p:attrName>
+                                        </p:attrNameLst>
+                                      </p:cBhvr>
+                                      <p:to>
+                                        <p:strVal val="visible"/>
+                                      </p:to>
+                                    </p:set>
+                                    <p:animEffect transition="in" filter="fade">
+                                      <p:cBhvr>
+                                        <p:cTn id="41" dur="500"/>
+                                        <p:tgtEl>
+                                          <p:spTgt spid="61"/>
+                                        </p:tgtEl>
+                                      </p:cBhvr>
+                                    </p:animEffect>
+                                  </p:childTnLst>
+                                </p:cTn>
+                              </p:par>
+                              <p:par>
+                                <p:cTn id="42" presetID="10" presetClass="entr" presetSubtype="0" fill="hold" nodeType="withEffect">
+                                  <p:stCondLst>
+                                    <p:cond delay="0"/>
+                                  </p:stCondLst>
+                                  <p:childTnLst>
+                                    <p:set>
+                                      <p:cBhvr>
+                                        <p:cTn id="43" dur="1" fill="hold">
+                                          <p:stCondLst>
+                                            <p:cond delay="0"/>
+                                          </p:stCondLst>
+                                        </p:cTn>
+                                        <p:tgtEl>
+                                          <p:spTgt spid="57"/>
+                                        </p:tgtEl>
+                                        <p:attrNameLst>
+                                          <p:attrName>style.visibility</p:attrName>
+                                        </p:attrNameLst>
+                                      </p:cBhvr>
+                                      <p:to>
+                                        <p:strVal val="visible"/>
+                                      </p:to>
+                                    </p:set>
+                                    <p:animEffect transition="in" filter="fade">
+                                      <p:cBhvr>
+                                        <p:cTn id="44" dur="500"/>
+                                        <p:tgtEl>
+                                          <p:spTgt spid="57"/>
+                                        </p:tgtEl>
+                                      </p:cBhvr>
+                                    </p:animEffect>
+                                  </p:childTnLst>
+                                </p:cTn>
+                              </p:par>
+                            </p:childTnLst>
+                          </p:cTn>
+                        </p:par>
+                        <p:par>
+                          <p:cTn id="45" fill="hold">
+                            <p:stCondLst>
+                              <p:cond delay="4000"/>
+                            </p:stCondLst>
+                            <p:childTnLst>
+                              <p:par>
+                                <p:cTn id="46" presetID="10" presetClass="entr" presetSubtype="0" fill="hold" grpId="0" nodeType="afterEffect">
+                                  <p:stCondLst>
+                                    <p:cond delay="0"/>
+                                  </p:stCondLst>
+                                  <p:childTnLst>
+                                    <p:set>
+                                      <p:cBhvr>
+                                        <p:cTn id="47" dur="1" fill="hold">
+                                          <p:stCondLst>
+                                            <p:cond delay="0"/>
+                                          </p:stCondLst>
+                                        </p:cTn>
+                                        <p:tgtEl>
+                                          <p:spTgt spid="24"/>
+                                        </p:tgtEl>
+                                        <p:attrNameLst>
+                                          <p:attrName>style.visibility</p:attrName>
+                                        </p:attrNameLst>
+                                      </p:cBhvr>
+                                      <p:to>
+                                        <p:strVal val="visible"/>
+                                      </p:to>
+                                    </p:set>
+                                    <p:animEffect transition="in" filter="fade">
+                                      <p:cBhvr>
+                                        <p:cTn id="48" dur="500"/>
+                                        <p:tgtEl>
+                                          <p:spTgt spid="24"/>
+                                        </p:tgtEl>
+                                      </p:cBhvr>
+                                    </p:animEffect>
+                                  </p:childTnLst>
+                                </p:cTn>
+                              </p:par>
+                            </p:childTnLst>
+                          </p:cTn>
+                        </p:par>
+                      </p:childTnLst>
+                    </p:cTn>
+                  </p:par>
+                </p:childTnLst>
+              </p:cTn>
+              <p:prevCondLst>
+                <p:cond evt="onPrev" delay="0">
+                  <p:tgtEl>
+                    <p:sldTgt/>
+                  </p:tgtEl>
+                </p:cond>
+              </p:prevCondLst>
+              <p:nextCondLst>
+                <p:cond evt="onNext" delay="0">
+                  <p:tgtEl>
+                    <p:sldTgt/>
+                  </p:tgtEl>
+                </p:cond>
+              </p:nextCondLst>
+            </p:seq>
+          </p:childTnLst>
+        </p:cTn>
+      </p:par>
+    </p:tnLst>
+    <p:bldLst>
+      <p:bldP spid="28" grpId="0" animBg="1"/>
+      <p:bldP spid="33" grpId="0"/>
+      <p:bldP spid="34" grpId="0"/>
+      <p:bldP spid="19" grpId="0" animBg="1"/>
+      <p:bldP spid="54" grpId="0"/>
+      <p:bldP spid="55" grpId="0"/>
+      <p:bldP spid="22" grpId="0" animBg="1"/>
+      <p:bldP spid="61" grpId="0"/>
+      <p:bldP spid="24" grpId="0"/>
+    </p:bldLst>
+  </p:timing>
 </p:sld>
 </file>
 
@@ -8997,7 +9499,7 @@
         </p:nvSpPr>
         <p:spPr>
           <a:xfrm>
-            <a:off x="7219030" y="1928861"/>
+            <a:off x="7262724" y="2091221"/>
             <a:ext cx="4432500" cy="3370150"/>
           </a:xfrm>
           <a:prstGeom prst="rect">
@@ -9016,31 +9518,31 @@
               </a:lnSpc>
             </a:pPr>
             <a:r>
-              <a:rPr lang="en-US" altLang="ko-KR" sz="1600" b="1" dirty="0"/>
+              <a:rPr lang="en-US" altLang="ko-KR" sz="1600" dirty="0"/>
               <a:t> 2021</a:t>
             </a:r>
             <a:r>
-              <a:rPr lang="ko-KR" altLang="en-US" sz="1600" b="1" dirty="0"/>
+              <a:rPr lang="ko-KR" altLang="en-US" sz="1600" dirty="0"/>
               <a:t>년 대한민국의 대표 방 계약 애플리케이션 직방의 설문조사에 따르면 직접 방문 없이 </a:t>
             </a:r>
             <a:r>
-              <a:rPr lang="en-US" altLang="ko-KR" sz="1600" b="1" dirty="0"/>
+              <a:rPr lang="en-US" altLang="ko-KR" sz="1600" dirty="0"/>
               <a:t>3D·VR </a:t>
             </a:r>
             <a:r>
-              <a:rPr lang="ko-KR" altLang="en-US" sz="1600" b="1" dirty="0"/>
+              <a:rPr lang="ko-KR" altLang="en-US" sz="1600" dirty="0"/>
               <a:t>부동산정보만 확인하고 계약할 의사가 있다는 응답이 </a:t>
             </a:r>
             <a:r>
-              <a:rPr lang="en-US" altLang="ko-KR" sz="1600" b="1" dirty="0"/>
+              <a:rPr lang="en-US" altLang="ko-KR" sz="1600" dirty="0"/>
               <a:t>70%</a:t>
             </a:r>
             <a:r>
-              <a:rPr lang="ko-KR" altLang="en-US" sz="1600" b="1" dirty="0"/>
+              <a:rPr lang="ko-KR" altLang="en-US" sz="1600" dirty="0"/>
               <a:t>를 넘었다</a:t>
             </a:r>
             <a:r>
-              <a:rPr lang="en-US" altLang="ko-KR" sz="1600" b="1" dirty="0"/>
+              <a:rPr lang="en-US" altLang="ko-KR" sz="1600" dirty="0"/>
               <a:t>.</a:t>
             </a:r>
           </a:p>
@@ -9055,37 +9557,29 @@
             </a:br>
             <a:r>
               <a:rPr lang="ko-KR" altLang="en-US" sz="1600" dirty="0"/>
-              <a:t> </a:t>
-            </a:r>
-            <a:r>
-              <a:rPr lang="ko-KR" altLang="en-US" sz="1600" b="1" dirty="0"/>
-              <a:t>또한</a:t>
+              <a:t> 또한 </a:t>
+            </a:r>
+            <a:r>
+              <a:rPr lang="en-US" altLang="ko-KR" sz="1600" dirty="0"/>
+              <a:t>3D·VR </a:t>
             </a:r>
             <a:r>
               <a:rPr lang="ko-KR" altLang="en-US" sz="1600" dirty="0"/>
-              <a:t> </a:t>
-            </a:r>
-            <a:r>
-              <a:rPr lang="en-US" altLang="ko-KR" sz="1600" b="1" dirty="0"/>
-              <a:t>3D·VR </a:t>
-            </a:r>
-            <a:r>
-              <a:rPr lang="ko-KR" altLang="en-US" sz="1600" b="1" dirty="0"/>
               <a:t>부동산 정보 서비스를 이용해 볼 의향을 물어보는 질문에는 </a:t>
             </a:r>
             <a:r>
-              <a:rPr lang="en-US" altLang="ko-KR" sz="1600" b="1" dirty="0"/>
+              <a:rPr lang="en-US" altLang="ko-KR" sz="1600" dirty="0"/>
               <a:t>90%</a:t>
             </a:r>
             <a:r>
-              <a:rPr lang="ko-KR" altLang="en-US" sz="1600" b="1" dirty="0"/>
+              <a:rPr lang="ko-KR" altLang="en-US" sz="1600" dirty="0"/>
               <a:t>에 육박하는 비율로 이용해 볼 것이라고 응답했다</a:t>
             </a:r>
             <a:r>
-              <a:rPr lang="en-US" altLang="ko-KR" sz="1600" b="1" dirty="0"/>
+              <a:rPr lang="en-US" altLang="ko-KR" sz="1600" dirty="0"/>
               <a:t>.</a:t>
             </a:r>
-            <a:endParaRPr lang="ko-KR" altLang="en-US" sz="1600" b="1" dirty="0"/>
+            <a:endParaRPr lang="ko-KR" altLang="en-US" sz="1600" dirty="0"/>
           </a:p>
           <a:p>
             <a:pPr>
@@ -9093,141 +9587,7 @@
                 <a:spcPct val="150000"/>
               </a:lnSpc>
             </a:pPr>
-            <a:endParaRPr lang="en-US" altLang="ko-KR" sz="1400" b="1" dirty="0">
-              <a:solidFill>
-                <a:prstClr val="black">
-                  <a:lumMod val="75000"/>
-                  <a:lumOff val="25000"/>
-                </a:prstClr>
-              </a:solidFill>
-            </a:endParaRPr>
-          </a:p>
-        </p:txBody>
-      </p:sp>
-      <p:pic>
-        <p:nvPicPr>
-          <p:cNvPr id="1026" name="Picture 2" descr="모바일 3D·VR 부동산정보 이용 의향. (자료=직방)"/>
-          <p:cNvPicPr>
-            <a:picLocks noChangeAspect="1" noChangeArrowheads="1"/>
-          </p:cNvPicPr>
-          <p:nvPr/>
-        </p:nvPicPr>
-        <p:blipFill>
-          <a:blip r:embed="rId2">
-            <a:extLst>
-              <a:ext uri="{28A0092B-C50C-407E-A947-70E740481C1C}">
-                <a14:useLocalDpi xmlns:a14="http://schemas.microsoft.com/office/drawing/2010/main" val="0"/>
-              </a:ext>
-            </a:extLst>
-          </a:blip>
-          <a:srcRect/>
-          <a:stretch>
-            <a:fillRect/>
-          </a:stretch>
-        </p:blipFill>
-        <p:spPr bwMode="auto">
-          <a:xfrm>
-            <a:off x="513795" y="1454328"/>
-            <a:ext cx="6301783" cy="4363343"/>
-          </a:xfrm>
-          <a:prstGeom prst="rect">
-            <a:avLst/>
-          </a:prstGeom>
-          <a:noFill/>
-          <a:extLst>
-            <a:ext uri="{909E8E84-426E-40DD-AFC4-6F175D3DCCD1}">
-              <a14:hiddenFill xmlns:a14="http://schemas.microsoft.com/office/drawing/2010/main">
-                <a:solidFill>
-                  <a:srgbClr val="FFFFFF"/>
-                </a:solidFill>
-              </a14:hiddenFill>
-            </a:ext>
-          </a:extLst>
-        </p:spPr>
-      </p:pic>
-      <p:sp>
-        <p:nvSpPr>
-          <p:cNvPr id="49" name="직사각형 48"/>
-          <p:cNvSpPr/>
-          <p:nvPr/>
-        </p:nvSpPr>
-        <p:spPr>
-          <a:xfrm>
-            <a:off x="438379" y="5817670"/>
-            <a:ext cx="5123435" cy="300325"/>
-          </a:xfrm>
-          <a:prstGeom prst="rect">
-            <a:avLst/>
-          </a:prstGeom>
-        </p:spPr>
-        <p:txBody>
-          <a:bodyPr wrap="square">
-            <a:spAutoFit/>
-          </a:bodyPr>
-          <a:lstStyle/>
-          <a:p>
-            <a:pPr>
-              <a:lnSpc>
-                <a:spcPct val="150000"/>
-              </a:lnSpc>
-            </a:pPr>
-            <a:r>
-              <a:rPr lang="en-US" altLang="ko-KR" sz="900"/>
-              <a:t>* </a:t>
-            </a:r>
-            <a:r>
-              <a:rPr lang="ko-KR" altLang="en-US" sz="900"/>
-              <a:t>모바일 </a:t>
-            </a:r>
-            <a:r>
-              <a:rPr lang="en-US" altLang="ko-KR" sz="900"/>
-              <a:t>3D·VR </a:t>
-            </a:r>
-            <a:r>
-              <a:rPr lang="ko-KR" altLang="en-US" sz="900"/>
-              <a:t>부동산정보 이용 의향</a:t>
-            </a:r>
-            <a:r>
-              <a:rPr lang="en-US" altLang="ko-KR" sz="900"/>
-              <a:t>. (</a:t>
-            </a:r>
-            <a:r>
-              <a:rPr lang="ko-KR" altLang="en-US" sz="900"/>
-              <a:t>자료</a:t>
-            </a:r>
-            <a:r>
-              <a:rPr lang="en-US" altLang="ko-KR" sz="900"/>
-              <a:t>=</a:t>
-            </a:r>
-            <a:r>
-              <a:rPr lang="ko-KR" altLang="en-US" sz="900"/>
-              <a:t>직방</a:t>
-            </a:r>
-            <a:r>
-              <a:rPr lang="en-US" altLang="ko-KR" sz="900"/>
-              <a:t>)</a:t>
-            </a:r>
-            <a:r>
-              <a:rPr lang="ko-KR" altLang="en-US" sz="900"/>
-              <a:t> 출처 </a:t>
-            </a:r>
-            <a:r>
-              <a:rPr lang="en-US" altLang="ko-KR" sz="900"/>
-              <a:t>: </a:t>
-            </a:r>
-            <a:r>
-              <a:rPr lang="ko-KR" altLang="en-US" sz="900">
-                <a:hlinkClick r:id="rId3"/>
-              </a:rPr>
-              <a:t>신아일보</a:t>
-            </a:r>
-            <a:r>
-              <a:rPr lang="en-US" altLang="ko-KR" sz="900">
-                <a:hlinkClick r:id="rId3"/>
-              </a:rPr>
-              <a:t>(http://www.shinailbo.co.kr)</a:t>
-            </a:r>
-            <a:endParaRPr lang="ko-KR" altLang="en-US" sz="900" dirty="0">
+            <a:endParaRPr lang="en-US" altLang="ko-KR" sz="1400" dirty="0">
               <a:solidFill>
                 <a:prstClr val="black">
                   <a:lumMod val="75000"/>
@@ -9329,7 +9689,7 @@
           <p:nvPr/>
         </p:nvPicPr>
         <p:blipFill>
-          <a:blip r:embed="rId4" cstate="print">
+          <a:blip r:embed="rId2" cstate="print">
             <a:extLst>
               <a:ext uri="{28A0092B-C50C-407E-A947-70E740481C1C}">
                 <a14:useLocalDpi xmlns:a14="http://schemas.microsoft.com/office/drawing/2010/main" val="0"/>
@@ -9365,9 +9725,9 @@
           <p:nvPr/>
         </p:nvCxnSpPr>
         <p:spPr>
-          <a:xfrm flipH="1">
-            <a:off x="7086600" y="1837304"/>
-            <a:ext cx="0" cy="3600000"/>
+          <a:xfrm>
+            <a:off x="7086600" y="2039815"/>
+            <a:ext cx="0" cy="3472962"/>
           </a:xfrm>
           <a:prstGeom prst="line">
             <a:avLst/>
@@ -9394,10 +9754,194 @@
           </a:fontRef>
         </p:style>
       </p:cxnSp>
+      <p:pic>
+        <p:nvPicPr>
+          <p:cNvPr id="3" name="그림 2">
+            <a:extLst>
+              <a:ext uri="{FF2B5EF4-FFF2-40B4-BE49-F238E27FC236}">
+                <a16:creationId xmlns:a16="http://schemas.microsoft.com/office/drawing/2014/main" id="{A262813D-EA00-EB9C-40A2-5E029A79BEAE}"/>
+              </a:ext>
+            </a:extLst>
+          </p:cNvPr>
+          <p:cNvPicPr>
+            <a:picLocks noChangeAspect="1"/>
+          </p:cNvPicPr>
+          <p:nvPr/>
+        </p:nvPicPr>
+        <p:blipFill>
+          <a:blip r:embed="rId3">
+            <a:extLst>
+              <a:ext uri="{28A0092B-C50C-407E-A947-70E740481C1C}">
+                <a14:useLocalDpi xmlns:a14="http://schemas.microsoft.com/office/drawing/2010/main" val="0"/>
+              </a:ext>
+            </a:extLst>
+          </a:blip>
+          <a:stretch>
+            <a:fillRect/>
+          </a:stretch>
+        </p:blipFill>
+        <p:spPr>
+          <a:xfrm>
+            <a:off x="408038" y="2558867"/>
+            <a:ext cx="2243013" cy="2243013"/>
+          </a:xfrm>
+          <a:prstGeom prst="rect">
+            <a:avLst/>
+          </a:prstGeom>
+        </p:spPr>
+      </p:pic>
+      <p:pic>
+        <p:nvPicPr>
+          <p:cNvPr id="10" name="그림 9">
+            <a:extLst>
+              <a:ext uri="{FF2B5EF4-FFF2-40B4-BE49-F238E27FC236}">
+                <a16:creationId xmlns:a16="http://schemas.microsoft.com/office/drawing/2014/main" id="{8F482C4C-1DBF-61F1-9C8B-514EF0AB89D0}"/>
+              </a:ext>
+            </a:extLst>
+          </p:cNvPr>
+          <p:cNvPicPr>
+            <a:picLocks noChangeAspect="1"/>
+          </p:cNvPicPr>
+          <p:nvPr/>
+        </p:nvPicPr>
+        <p:blipFill>
+          <a:blip r:embed="rId4">
+            <a:extLst>
+              <a:ext uri="{28A0092B-C50C-407E-A947-70E740481C1C}">
+                <a14:useLocalDpi xmlns:a14="http://schemas.microsoft.com/office/drawing/2010/main" val="0"/>
+              </a:ext>
+            </a:extLst>
+          </a:blip>
+          <a:stretch>
+            <a:fillRect/>
+          </a:stretch>
+        </p:blipFill>
+        <p:spPr>
+          <a:xfrm>
+            <a:off x="2651051" y="2154616"/>
+            <a:ext cx="4336491" cy="3041638"/>
+          </a:xfrm>
+          <a:prstGeom prst="rect">
+            <a:avLst/>
+          </a:prstGeom>
+        </p:spPr>
+      </p:pic>
+      <p:sp>
+        <p:nvSpPr>
+          <p:cNvPr id="21" name="직사각형 20">
+            <a:extLst>
+              <a:ext uri="{FF2B5EF4-FFF2-40B4-BE49-F238E27FC236}">
+                <a16:creationId xmlns:a16="http://schemas.microsoft.com/office/drawing/2014/main" id="{B0DB05C6-BC8E-0BCC-E0A4-B9FE757A399D}"/>
+              </a:ext>
+            </a:extLst>
+          </p:cNvPr>
+          <p:cNvSpPr/>
+          <p:nvPr/>
+        </p:nvSpPr>
+        <p:spPr>
+          <a:xfrm>
+            <a:off x="438379" y="5962971"/>
+            <a:ext cx="5123435" cy="481029"/>
+          </a:xfrm>
+          <a:prstGeom prst="rect">
+            <a:avLst/>
+          </a:prstGeom>
+        </p:spPr>
+        <p:txBody>
+          <a:bodyPr wrap="square">
+            <a:spAutoFit/>
+          </a:bodyPr>
+          <a:lstStyle/>
+          <a:p>
+            <a:pPr marL="171450" indent="-171450">
+              <a:lnSpc>
+                <a:spcPct val="150000"/>
+              </a:lnSpc>
+              <a:buFont typeface="Arial" panose="020B0604020202020204" pitchFamily="34" charset="0"/>
+              <a:buChar char="•"/>
+            </a:pPr>
+            <a:r>
+              <a:rPr lang="ko-KR" altLang="en-US" sz="900" dirty="0"/>
+              <a:t>남정호</a:t>
+            </a:r>
+            <a:r>
+              <a:rPr lang="en-US" altLang="ko-KR" sz="900" dirty="0"/>
+              <a:t>, “</a:t>
+            </a:r>
+            <a:r>
+              <a:rPr lang="ko-KR" altLang="en-US" sz="900" dirty="0"/>
+              <a:t>직방 앱 이용자 </a:t>
+            </a:r>
+            <a:r>
+              <a:rPr lang="en-US" altLang="ko-KR" sz="900" dirty="0"/>
+              <a:t>90% ‘3D·VR </a:t>
+            </a:r>
+            <a:r>
+              <a:rPr lang="ko-KR" altLang="en-US" sz="900" dirty="0"/>
+              <a:t>부동산정보 이용 의향 있어</a:t>
+            </a:r>
+            <a:r>
+              <a:rPr lang="en-US" altLang="ko-KR" sz="900" dirty="0"/>
+              <a:t>’”, </a:t>
+            </a:r>
+            <a:r>
+              <a:rPr lang="ko-KR" altLang="en-US" sz="900" dirty="0"/>
+              <a:t>신아일보</a:t>
+            </a:r>
+            <a:r>
+              <a:rPr lang="en-US" altLang="ko-KR" sz="900" dirty="0"/>
+              <a:t>, https://www.shinailbo.co.kr/news/articleView.html?idxno=1395933</a:t>
+            </a:r>
+          </a:p>
+        </p:txBody>
+      </p:sp>
+      <p:sp>
+        <p:nvSpPr>
+          <p:cNvPr id="2" name="TextBox 1">
+            <a:extLst>
+              <a:ext uri="{FF2B5EF4-FFF2-40B4-BE49-F238E27FC236}">
+                <a16:creationId xmlns:a16="http://schemas.microsoft.com/office/drawing/2014/main" id="{55FF7ED1-28E7-21D3-B19A-A67D65FFC229}"/>
+              </a:ext>
+            </a:extLst>
+          </p:cNvPr>
+          <p:cNvSpPr txBox="1"/>
+          <p:nvPr/>
+        </p:nvSpPr>
+        <p:spPr>
+          <a:xfrm>
+            <a:off x="1156348" y="1715073"/>
+            <a:ext cx="5102363" cy="338554"/>
+          </a:xfrm>
+          <a:prstGeom prst="rect">
+            <a:avLst/>
+          </a:prstGeom>
+          <a:noFill/>
+        </p:spPr>
+        <p:txBody>
+          <a:bodyPr wrap="square" rtlCol="0">
+            <a:spAutoFit/>
+          </a:bodyPr>
+          <a:lstStyle/>
+          <a:p>
+            <a:r>
+              <a:rPr lang="ko-KR" altLang="en-US" sz="1600" b="1" dirty="0"/>
+              <a:t>직방 모바일 </a:t>
+            </a:r>
+            <a:r>
+              <a:rPr lang="en-US" altLang="ko-KR" sz="1600" b="1" dirty="0"/>
+              <a:t>3D·VR </a:t>
+            </a:r>
+            <a:r>
+              <a:rPr lang="ko-KR" altLang="en-US" sz="1600" b="1" dirty="0"/>
+              <a:t>부동산 정보 이용 의향 설문조사 </a:t>
+            </a:r>
+          </a:p>
+        </p:txBody>
+      </p:sp>
     </p:spTree>
     <p:extLst>
       <p:ext uri="{BB962C8B-B14F-4D97-AF65-F5344CB8AC3E}">
-        <p14:creationId xmlns:p14="http://schemas.microsoft.com/office/powerpoint/2010/main" val="4002536708"/>
+        <p14:creationId xmlns:p14="http://schemas.microsoft.com/office/powerpoint/2010/main" val="2732222570"/>
       </p:ext>
     </p:extLst>
   </p:cSld>
@@ -9543,7 +10087,7 @@
               <a:defRPr/>
             </a:pPr>
             <a:r>
-              <a:rPr lang="en-US" altLang="ko-KR" sz="2800" b="1" i="1" kern="0">
+              <a:rPr lang="en-US" altLang="ko-KR" sz="2800" b="1" i="1" kern="0" dirty="0">
                 <a:solidFill>
                   <a:prstClr val="white"/>
                 </a:solidFill>
@@ -9551,7 +10095,7 @@
               <a:t>1. </a:t>
             </a:r>
             <a:r>
-              <a:rPr lang="ko-KR" altLang="en-US" sz="2800" b="1" i="1" kern="0">
+              <a:rPr lang="ko-KR" altLang="en-US" sz="2800" b="1" i="1" kern="0" dirty="0">
                 <a:solidFill>
                   <a:prstClr val="white"/>
                 </a:solidFill>
@@ -9559,7 +10103,7 @@
               <a:t>개요 </a:t>
             </a:r>
             <a:r>
-              <a:rPr lang="en-US" altLang="ko-KR" sz="2800" b="1" i="1" kern="0">
+              <a:rPr lang="en-US" altLang="ko-KR" sz="2800" b="1" i="1" kern="0" dirty="0">
                 <a:solidFill>
                   <a:prstClr val="white"/>
                 </a:solidFill>
@@ -9567,21 +10111,13 @@
               <a:t>- </a:t>
             </a:r>
             <a:r>
-              <a:rPr lang="ko-KR" altLang="en-US" sz="2800" b="1" i="1" kern="0">
+              <a:rPr lang="ko-KR" altLang="en-US" sz="2800" b="1" i="1" kern="0" dirty="0">
                 <a:solidFill>
                   <a:prstClr val="white"/>
                 </a:solidFill>
               </a:rPr>
               <a:t>목표</a:t>
             </a:r>
-            <a:endParaRPr lang="en-US" altLang="ko-KR" sz="1400" i="1" kern="0" dirty="0">
-              <a:solidFill>
-                <a:prstClr val="white"/>
-              </a:solidFill>
-            </a:endParaRPr>
-          </a:p>
-          <a:p>
-            <a:pPr algn="ctr"/>
             <a:endParaRPr lang="ko-KR" altLang="en-US" sz="1000" dirty="0">
               <a:solidFill>
                 <a:prstClr val="white"/>
@@ -9632,20 +10168,187 @@
           <a:lstStyle/>
           <a:p>
             <a:pPr algn="ctr"/>
-            <a:endParaRPr lang="ko-KR" altLang="en-US">
+            <a:r>
+              <a:rPr lang="ko-KR" altLang="en-US">
+                <a:solidFill>
+                  <a:prstClr val="white"/>
+                </a:solidFill>
+              </a:rPr>
+              <a:t>ㅋ</a:t>
+            </a:r>
+          </a:p>
+        </p:txBody>
+      </p:sp>
+      <p:sp>
+        <p:nvSpPr>
+          <p:cNvPr id="63" name="직사각형 62"/>
+          <p:cNvSpPr/>
+          <p:nvPr/>
+        </p:nvSpPr>
+        <p:spPr>
+          <a:xfrm>
+            <a:off x="7262724" y="2091221"/>
+            <a:ext cx="4432500" cy="3046988"/>
+          </a:xfrm>
+          <a:prstGeom prst="rect">
+            <a:avLst/>
+          </a:prstGeom>
+        </p:spPr>
+        <p:txBody>
+          <a:bodyPr wrap="square">
+            <a:spAutoFit/>
+          </a:bodyPr>
+          <a:lstStyle/>
+          <a:p>
+            <a:pPr fontAlgn="base"/>
+            <a:r>
+              <a:rPr lang="ko-KR" altLang="en-US" sz="1600" dirty="0"/>
+              <a:t> 온라인 서비스가 늘어나는 추세에서 소비자가 </a:t>
+            </a:r>
+            <a:r>
+              <a:rPr lang="en-US" altLang="ko-KR" sz="1600" dirty="0"/>
+              <a:t>VR</a:t>
+            </a:r>
+            <a:r>
+              <a:rPr lang="ko-KR" altLang="en-US" sz="1600" dirty="0"/>
+              <a:t>로 직접 방을 구경하고 둘러보면서 하자 부분을 찾도록 하고</a:t>
+            </a:r>
+            <a:r>
+              <a:rPr lang="en-US" altLang="ko-KR" sz="1600" dirty="0"/>
+              <a:t>, </a:t>
+            </a:r>
+            <a:r>
+              <a:rPr lang="ko-KR" altLang="en-US" sz="1600" dirty="0"/>
+              <a:t>계약과 관련된 퀴즈를 풀면서 소비자가 방을 구할 때 필요한 지식을 교육한다</a:t>
+            </a:r>
+            <a:r>
+              <a:rPr lang="en-US" altLang="ko-KR" sz="1600" dirty="0"/>
+              <a:t>. </a:t>
+            </a:r>
+            <a:r>
+              <a:rPr lang="ko-KR" altLang="en-US" sz="1600" dirty="0"/>
+              <a:t>마지막으로 실제로 촬영된 방을 보며 배운 것을 마무리한다</a:t>
+            </a:r>
+            <a:r>
+              <a:rPr lang="en-US" altLang="ko-KR" sz="1600" dirty="0"/>
+              <a:t>.</a:t>
+            </a:r>
+            <a:endParaRPr lang="en-US" altLang="ko-KR" sz="1600" dirty="0">
               <a:solidFill>
-                <a:prstClr val="white"/>
+                <a:srgbClr val="FF0000"/>
               </a:solidFill>
             </a:endParaRPr>
           </a:p>
-        </p:txBody>
-      </p:sp>
-      <p:sp>
-        <p:nvSpPr>
-          <p:cNvPr id="10" name="사각형: 둥근 모서리 5">
-            <a:extLst>
-              <a:ext uri="{FF2B5EF4-FFF2-40B4-BE49-F238E27FC236}">
-                <a16:creationId xmlns:a16="http://schemas.microsoft.com/office/drawing/2014/main" id="{29433077-90B3-4432-AB1E-87BD95D8FF5C}"/>
+          <a:p>
+            <a:pPr fontAlgn="base"/>
+            <a:endParaRPr lang="en-US" altLang="ko-KR" sz="1600" dirty="0"/>
+          </a:p>
+          <a:p>
+            <a:pPr fontAlgn="base"/>
+            <a:r>
+              <a:rPr lang="ko-KR" altLang="en-US" sz="1600" dirty="0"/>
+              <a:t> 이를 통해 직접 자취방을 구하러 갔을 때 확인해야 하는 방의 핵심 부분과 계약 관련 사항 등을 사전에 교육하여 방을 구할 때 생길 수 있는 피해들을 최소화하고 방지 하는 것이 </a:t>
+            </a:r>
+            <a:r>
+              <a:rPr lang="ko-KR" altLang="en-US" sz="1600" dirty="0" err="1"/>
+              <a:t>파라노이드</a:t>
+            </a:r>
+            <a:r>
+              <a:rPr lang="ko-KR" altLang="en-US" sz="1600" dirty="0"/>
+              <a:t> 팀의 목표이다</a:t>
+            </a:r>
+            <a:r>
+              <a:rPr lang="en-US" altLang="ko-KR" sz="1600" dirty="0"/>
+              <a:t>.</a:t>
+            </a:r>
+          </a:p>
+        </p:txBody>
+      </p:sp>
+      <p:sp>
+        <p:nvSpPr>
+          <p:cNvPr id="49" name="직사각형 48"/>
+          <p:cNvSpPr/>
+          <p:nvPr/>
+        </p:nvSpPr>
+        <p:spPr>
+          <a:xfrm>
+            <a:off x="438379" y="5962971"/>
+            <a:ext cx="5123435" cy="481029"/>
+          </a:xfrm>
+          <a:prstGeom prst="rect">
+            <a:avLst/>
+          </a:prstGeom>
+        </p:spPr>
+        <p:txBody>
+          <a:bodyPr wrap="square">
+            <a:spAutoFit/>
+          </a:bodyPr>
+          <a:lstStyle/>
+          <a:p>
+            <a:pPr marL="171450" indent="-171450">
+              <a:lnSpc>
+                <a:spcPct val="150000"/>
+              </a:lnSpc>
+              <a:buFont typeface="Arial" panose="020B0604020202020204" pitchFamily="34" charset="0"/>
+              <a:buChar char="•"/>
+            </a:pPr>
+            <a:r>
+              <a:rPr lang="en-US" altLang="ko-KR" sz="900" dirty="0" err="1"/>
+              <a:t>Sak</a:t>
+            </a:r>
+            <a:r>
+              <a:rPr lang="en-US" altLang="ko-KR" sz="900" dirty="0"/>
+              <a:t>, "</a:t>
+            </a:r>
+            <a:r>
+              <a:rPr lang="ko-KR" altLang="en-US" sz="900" dirty="0"/>
+              <a:t>자취방 인테리어 가상으로 꾸미기 </a:t>
+            </a:r>
+            <a:r>
+              <a:rPr lang="en-US" altLang="ko-KR" sz="900" dirty="0"/>
+              <a:t>/ </a:t>
+            </a:r>
+            <a:r>
+              <a:rPr lang="ko-KR" altLang="en-US" sz="900" dirty="0"/>
+              <a:t>무료 사이트</a:t>
+            </a:r>
+            <a:r>
+              <a:rPr lang="en-US" altLang="ko-KR" sz="900" dirty="0"/>
+              <a:t>", 2020</a:t>
+            </a:r>
+            <a:r>
+              <a:rPr lang="ko-KR" altLang="en-US" sz="900" dirty="0"/>
+              <a:t>년 </a:t>
+            </a:r>
+            <a:r>
+              <a:rPr lang="en-US" altLang="ko-KR" sz="900" dirty="0"/>
+              <a:t>03</a:t>
+            </a:r>
+            <a:r>
+              <a:rPr lang="ko-KR" altLang="en-US" sz="900" dirty="0"/>
+              <a:t>월 </a:t>
+            </a:r>
+            <a:r>
+              <a:rPr lang="en-US" altLang="ko-KR" sz="900" dirty="0"/>
+              <a:t>17</a:t>
+            </a:r>
+            <a:r>
+              <a:rPr lang="ko-KR" altLang="en-US" sz="900" dirty="0"/>
+              <a:t>일</a:t>
+            </a:r>
+            <a:r>
+              <a:rPr lang="en-US" altLang="ko-KR" sz="900" dirty="0"/>
+              <a:t>, https://m.blog.naver.com/ghktghkt1/221857423948</a:t>
+            </a:r>
+          </a:p>
+        </p:txBody>
+      </p:sp>
+      <p:sp>
+        <p:nvSpPr>
+          <p:cNvPr id="13" name="사각형: 둥근 모서리 5">
+            <a:extLst>
+              <a:ext uri="{FF2B5EF4-FFF2-40B4-BE49-F238E27FC236}">
+                <a16:creationId xmlns:a16="http://schemas.microsoft.com/office/drawing/2014/main" id="{9C2BA00D-A9D4-9B94-5A66-B911CF5AC110}"/>
               </a:ext>
             </a:extLst>
           </p:cNvPr>
@@ -9716,207 +10419,12 @@
           </a:p>
         </p:txBody>
       </p:sp>
-      <p:sp>
-        <p:nvSpPr>
-          <p:cNvPr id="70" name="직사각형 69"/>
-          <p:cNvSpPr/>
-          <p:nvPr/>
-        </p:nvSpPr>
-        <p:spPr>
-          <a:xfrm>
-            <a:off x="6956123" y="1717403"/>
-            <a:ext cx="4523841" cy="3693319"/>
-          </a:xfrm>
-          <a:prstGeom prst="rect">
-            <a:avLst/>
-          </a:prstGeom>
-        </p:spPr>
-        <p:txBody>
-          <a:bodyPr wrap="square">
-            <a:spAutoFit/>
-          </a:bodyPr>
-          <a:lstStyle/>
-          <a:p>
-            <a:pPr fontAlgn="base"/>
-            <a:r>
-              <a:rPr lang="ko-KR" altLang="en-US" b="1" dirty="0"/>
-              <a:t> 온라인 서비스가 늘어나는 추세에서 소비자가 </a:t>
-            </a:r>
-            <a:r>
-              <a:rPr lang="en-US" altLang="ko-KR" b="1" dirty="0"/>
-              <a:t>VR</a:t>
-            </a:r>
-            <a:r>
-              <a:rPr lang="ko-KR" altLang="en-US" b="1" dirty="0"/>
-              <a:t>로 직접 방을 구경하고 둘러보면서 하자 부분을 찾도록 하고</a:t>
-            </a:r>
-            <a:r>
-              <a:rPr lang="en-US" altLang="ko-KR" b="1" dirty="0"/>
-              <a:t>, </a:t>
-            </a:r>
-            <a:r>
-              <a:rPr lang="ko-KR" altLang="en-US" b="1" dirty="0"/>
-              <a:t>계약과 관련된 퀴즈를 풀면서 소비자가 방을 구할 때 필요한 지식을 교육한다</a:t>
-            </a:r>
-            <a:r>
-              <a:rPr lang="en-US" altLang="ko-KR" b="1" dirty="0"/>
-              <a:t>. </a:t>
-            </a:r>
-            <a:r>
-              <a:rPr lang="ko-KR" altLang="en-US" b="1" dirty="0"/>
-              <a:t>마지막으로 실제로 촬영된 방을 보며 배운 것을 마무리한다</a:t>
-            </a:r>
-            <a:r>
-              <a:rPr lang="en-US" altLang="ko-KR" b="1" dirty="0"/>
-              <a:t>.</a:t>
-            </a:r>
-            <a:endParaRPr lang="en-US" altLang="ko-KR" b="1" dirty="0">
-              <a:solidFill>
-                <a:srgbClr val="FF0000"/>
-              </a:solidFill>
-            </a:endParaRPr>
-          </a:p>
-          <a:p>
-            <a:pPr fontAlgn="base"/>
-            <a:endParaRPr lang="en-US" altLang="ko-KR" b="1" dirty="0"/>
-          </a:p>
-          <a:p>
-            <a:pPr fontAlgn="base"/>
-            <a:r>
-              <a:rPr lang="ko-KR" altLang="en-US" b="1" dirty="0"/>
-              <a:t> 이를 통해 직접 자취방을 구하러 갔을 때 확인해야 하는 방의 핵심 부분과 계약 관련 사항 등을 사전에 교육하여 방을 구할 때 생길 수 있는 피해들을 최소화하고 방지 하는 것이 </a:t>
-            </a:r>
-            <a:r>
-              <a:rPr lang="ko-KR" altLang="en-US" b="1" dirty="0" err="1"/>
-              <a:t>파라노이드</a:t>
-            </a:r>
-            <a:r>
-              <a:rPr lang="ko-KR" altLang="en-US" b="1"/>
-              <a:t> 팀의 </a:t>
-            </a:r>
-            <a:r>
-              <a:rPr lang="ko-KR" altLang="en-US" b="1" dirty="0"/>
-              <a:t>목표이다</a:t>
-            </a:r>
-            <a:r>
-              <a:rPr lang="en-US" altLang="ko-KR" b="1" dirty="0"/>
-              <a:t>.</a:t>
-            </a:r>
-          </a:p>
-        </p:txBody>
-      </p:sp>
       <p:pic>
         <p:nvPicPr>
-          <p:cNvPr id="1026" name="Picture 2" descr="자취방 인테리어 가상으로 꾸미기 / 무료 사이트 : 네이버 블로그"/>
-          <p:cNvPicPr>
-            <a:picLocks noChangeAspect="1" noChangeArrowheads="1"/>
-          </p:cNvPicPr>
-          <p:nvPr/>
-        </p:nvPicPr>
-        <p:blipFill>
-          <a:blip r:embed="rId2">
-            <a:extLst>
-              <a:ext uri="{28A0092B-C50C-407E-A947-70E740481C1C}">
-                <a14:useLocalDpi xmlns:a14="http://schemas.microsoft.com/office/drawing/2010/main" val="0"/>
-              </a:ext>
-            </a:extLst>
-          </a:blip>
-          <a:srcRect/>
-          <a:stretch>
-            <a:fillRect/>
-          </a:stretch>
-        </p:blipFill>
-        <p:spPr bwMode="auto">
-          <a:xfrm>
-            <a:off x="438380" y="1470581"/>
-            <a:ext cx="6113249" cy="3525626"/>
-          </a:xfrm>
-          <a:prstGeom prst="rect">
-            <a:avLst/>
-          </a:prstGeom>
-          <a:noFill/>
-          <a:extLst>
-            <a:ext uri="{909E8E84-426E-40DD-AFC4-6F175D3DCCD1}">
-              <a14:hiddenFill xmlns:a14="http://schemas.microsoft.com/office/drawing/2010/main">
-                <a:solidFill>
-                  <a:srgbClr val="FFFFFF"/>
-                </a:solidFill>
-              </a14:hiddenFill>
-            </a:ext>
-          </a:extLst>
-        </p:spPr>
-      </p:pic>
-      <p:sp>
-        <p:nvSpPr>
-          <p:cNvPr id="13" name="직사각형 12"/>
-          <p:cNvSpPr/>
-          <p:nvPr/>
-        </p:nvSpPr>
-        <p:spPr>
-          <a:xfrm>
-            <a:off x="438379" y="5817670"/>
-            <a:ext cx="5472228" cy="507831"/>
-          </a:xfrm>
-          <a:prstGeom prst="rect">
-            <a:avLst/>
-          </a:prstGeom>
-        </p:spPr>
-        <p:txBody>
-          <a:bodyPr wrap="square">
-            <a:spAutoFit/>
-          </a:bodyPr>
-          <a:lstStyle/>
-          <a:p>
-            <a:pPr>
-              <a:lnSpc>
-                <a:spcPct val="150000"/>
-              </a:lnSpc>
-            </a:pPr>
-            <a:r>
-              <a:rPr lang="en-US" altLang="ko-KR" sz="900"/>
-              <a:t>* </a:t>
-            </a:r>
-            <a:r>
-              <a:rPr lang="ko-KR" altLang="en-US" sz="900"/>
-              <a:t>자취방 인테리어 가상으로 꾸미기 </a:t>
-            </a:r>
-            <a:r>
-              <a:rPr lang="en-US" altLang="ko-KR" sz="900"/>
-              <a:t>/ </a:t>
-            </a:r>
-            <a:r>
-              <a:rPr lang="ko-KR" altLang="en-US" sz="900"/>
-              <a:t>무료 사이트 출처 </a:t>
-            </a:r>
-            <a:r>
-              <a:rPr lang="en-US" altLang="ko-KR" sz="900"/>
-              <a:t>: </a:t>
-            </a:r>
-            <a:r>
-              <a:rPr lang="ko-KR" altLang="en-US" sz="900"/>
-              <a:t>네이버 블로그 이삭디자인 </a:t>
-            </a:r>
-            <a:r>
-              <a:rPr lang="en-US" altLang="ko-KR" sz="900"/>
-              <a:t>(https://m.blog.naver.com/ghktghkt1/22185742394)</a:t>
-            </a:r>
-            <a:endParaRPr lang="ko-KR" altLang="en-US" sz="900" dirty="0">
-              <a:solidFill>
-                <a:prstClr val="black">
-                  <a:lumMod val="75000"/>
-                  <a:lumOff val="25000"/>
-                </a:prstClr>
-              </a:solidFill>
-            </a:endParaRPr>
-          </a:p>
-        </p:txBody>
-      </p:sp>
-      <p:pic>
-        <p:nvPicPr>
-          <p:cNvPr id="11" name="그림 10">
-            <a:extLst>
-              <a:ext uri="{FF2B5EF4-FFF2-40B4-BE49-F238E27FC236}">
-                <a16:creationId xmlns:a16="http://schemas.microsoft.com/office/drawing/2014/main" id="{ED3555D5-84C2-4770-D102-49BD7ED421DA}"/>
+          <p:cNvPr id="14" name="그림 13">
+            <a:extLst>
+              <a:ext uri="{FF2B5EF4-FFF2-40B4-BE49-F238E27FC236}">
+                <a16:creationId xmlns:a16="http://schemas.microsoft.com/office/drawing/2014/main" id="{40827DD7-F451-FE06-C238-46E443D48EA5}"/>
               </a:ext>
             </a:extLst>
           </p:cNvPr>
@@ -9926,7 +10434,7 @@
           <p:nvPr/>
         </p:nvPicPr>
         <p:blipFill>
-          <a:blip r:embed="rId3" cstate="print">
+          <a:blip r:embed="rId2" cstate="print">
             <a:extLst>
               <a:ext uri="{28A0092B-C50C-407E-A947-70E740481C1C}">
                 <a14:useLocalDpi xmlns:a14="http://schemas.microsoft.com/office/drawing/2010/main" val="0"/>
@@ -9963,8 +10471,8 @@
         </p:nvCxnSpPr>
         <p:spPr>
           <a:xfrm>
-            <a:off x="6781801" y="1715732"/>
-            <a:ext cx="0" cy="3240000"/>
+            <a:off x="7086600" y="2039815"/>
+            <a:ext cx="0" cy="3472962"/>
           </a:xfrm>
           <a:prstGeom prst="line">
             <a:avLst/>
@@ -9991,10 +10499,57 @@
           </a:fontRef>
         </p:style>
       </p:cxnSp>
+      <p:pic>
+        <p:nvPicPr>
+          <p:cNvPr id="15" name="Picture 2" descr="자취방 인테리어 가상으로 꾸미기 / 무료 사이트 : 네이버 블로그">
+            <a:extLst>
+              <a:ext uri="{FF2B5EF4-FFF2-40B4-BE49-F238E27FC236}">
+                <a16:creationId xmlns:a16="http://schemas.microsoft.com/office/drawing/2014/main" id="{DEAB6D75-194A-9C99-21E8-6D3247515B6C}"/>
+              </a:ext>
+            </a:extLst>
+          </p:cNvPr>
+          <p:cNvPicPr>
+            <a:picLocks noChangeAspect="1" noChangeArrowheads="1"/>
+          </p:cNvPicPr>
+          <p:nvPr/>
+        </p:nvPicPr>
+        <p:blipFill>
+          <a:blip r:embed="rId3">
+            <a:extLst>
+              <a:ext uri="{28A0092B-C50C-407E-A947-70E740481C1C}">
+                <a14:useLocalDpi xmlns:a14="http://schemas.microsoft.com/office/drawing/2010/main" val="0"/>
+              </a:ext>
+            </a:extLst>
+          </a:blip>
+          <a:srcRect/>
+          <a:stretch>
+            <a:fillRect/>
+          </a:stretch>
+        </p:blipFill>
+        <p:spPr bwMode="auto">
+          <a:xfrm>
+            <a:off x="438379" y="1901257"/>
+            <a:ext cx="6502438" cy="3750078"/>
+          </a:xfrm>
+          <a:prstGeom prst="rect">
+            <a:avLst/>
+          </a:prstGeom>
+          <a:noFill/>
+          <a:extLst>
+            <a:ext uri="{909E8E84-426E-40DD-AFC4-6F175D3DCCD1}">
+              <a14:hiddenFill xmlns:a14="http://schemas.microsoft.com/office/drawing/2010/main">
+                <a:solidFill>
+                  <a:srgbClr val="FFFFFF"/>
+                </a:solidFill>
+              </a14:hiddenFill>
+            </a:ext>
+          </a:extLst>
+        </p:spPr>
+      </p:pic>
     </p:spTree>
     <p:extLst>
       <p:ext uri="{BB962C8B-B14F-4D97-AF65-F5344CB8AC3E}">
-        <p14:creationId xmlns:p14="http://schemas.microsoft.com/office/powerpoint/2010/main" val="666591774"/>
+        <p14:creationId xmlns:p14="http://schemas.microsoft.com/office/powerpoint/2010/main" val="477929073"/>
       </p:ext>
     </p:extLst>
   </p:cSld>
@@ -10378,7 +10933,7 @@
         <p:spPr>
           <a:xfrm>
             <a:off x="3456600" y="1068341"/>
-            <a:ext cx="5299714" cy="5793921"/>
+            <a:ext cx="5299714" cy="5785395"/>
           </a:xfrm>
           <a:prstGeom prst="rect">
             <a:avLst/>
@@ -10485,8 +11040,8 @@
         </p:blipFill>
         <p:spPr>
           <a:xfrm>
-            <a:off x="4092286" y="1049005"/>
-            <a:ext cx="4028342" cy="5813257"/>
+            <a:off x="4092286" y="1064079"/>
+            <a:ext cx="4028342" cy="5789657"/>
           </a:xfrm>
           <a:prstGeom prst="rect">
             <a:avLst/>

--- a/Final Assignments/22년 1학기 캡스톤-발표자료-파라노이드(오장호).pptx
+++ b/Final Assignments/22년 1학기 캡스톤-발표자료-파라노이드(오장호).pptx
@@ -6981,7 +6981,7 @@
                   <a:prstClr val="white"/>
                 </a:solidFill>
               </a:rPr>
-              <a:t>3. Q</a:t>
+              <a:t>Q</a:t>
             </a:r>
             <a:r>
               <a:rPr lang="ko-KR" altLang="en-US" sz="2800" b="1" i="1" kern="0" dirty="0">
@@ -7174,24 +7174,10 @@
               </a:lnSpc>
             </a:pPr>
             <a:r>
-              <a:rPr lang="ko-KR" altLang="en-US" sz="4400" b="1" i="1" dirty="0">
-                <a:solidFill>
-                  <a:prstClr val="black">
-                    <a:lumMod val="65000"/>
-                    <a:lumOff val="35000"/>
-                  </a:prstClr>
-                </a:solidFill>
-              </a:rPr>
+              <a:rPr lang="ko-KR" altLang="en-US" sz="4400" b="1" i="1" dirty="0"/>
               <a:t>궁금한 점 질문 해주시기 바랍니다</a:t>
             </a:r>
-            <a:endParaRPr lang="en-US" altLang="ko-KR" sz="4400" b="1" i="1" dirty="0">
-              <a:solidFill>
-                <a:prstClr val="black">
-                  <a:lumMod val="65000"/>
-                  <a:lumOff val="35000"/>
-                </a:prstClr>
-              </a:solidFill>
-            </a:endParaRPr>
+            <a:endParaRPr lang="en-US" altLang="ko-KR" sz="4400" b="1" i="1" dirty="0"/>
           </a:p>
         </p:txBody>
       </p:sp>

--- a/Final Assignments/22년 1학기 캡스톤-발표자료-파라노이드(오장호).pptx
+++ b/Final Assignments/22년 1학기 캡스톤-발표자료-파라노이드(오장호).pptx
@@ -210,7 +210,7 @@
           <a:p>
             <a:fld id="{A39816E1-BE6D-4AC3-AF45-F9B6AE048DD9}" type="datetimeFigureOut">
               <a:rPr lang="ko-KR" altLang="en-US" smtClean="0"/>
-              <a:t>2022-05-21</a:t>
+              <a:t>2022-05-22</a:t>
             </a:fld>
             <a:endParaRPr lang="ko-KR" altLang="en-US"/>
           </a:p>
@@ -1051,7 +1051,7 @@
                 </a:solidFill>
               </a:rPr>
               <a:pPr/>
-              <a:t>2022-05-21</a:t>
+              <a:t>2022-05-22</a:t>
             </a:fld>
             <a:endParaRPr lang="ko-KR" altLang="en-US">
               <a:solidFill>
@@ -1281,7 +1281,7 @@
                 </a:solidFill>
               </a:rPr>
               <a:pPr/>
-              <a:t>2022-05-21</a:t>
+              <a:t>2022-05-22</a:t>
             </a:fld>
             <a:endParaRPr lang="ko-KR" altLang="en-US">
               <a:solidFill>
@@ -1521,7 +1521,7 @@
                 </a:solidFill>
               </a:rPr>
               <a:pPr/>
-              <a:t>2022-05-21</a:t>
+              <a:t>2022-05-22</a:t>
             </a:fld>
             <a:endParaRPr lang="ko-KR" altLang="en-US">
               <a:solidFill>
@@ -1751,7 +1751,7 @@
                 </a:solidFill>
               </a:rPr>
               <a:pPr/>
-              <a:t>2022-05-21</a:t>
+              <a:t>2022-05-22</a:t>
             </a:fld>
             <a:endParaRPr lang="ko-KR" altLang="en-US">
               <a:solidFill>
@@ -2058,7 +2058,7 @@
                 </a:solidFill>
               </a:rPr>
               <a:pPr/>
-              <a:t>2022-05-21</a:t>
+              <a:t>2022-05-22</a:t>
             </a:fld>
             <a:endParaRPr lang="ko-KR" altLang="en-US">
               <a:solidFill>
@@ -2355,7 +2355,7 @@
                 </a:solidFill>
               </a:rPr>
               <a:pPr/>
-              <a:t>2022-05-21</a:t>
+              <a:t>2022-05-22</a:t>
             </a:fld>
             <a:endParaRPr lang="ko-KR" altLang="en-US">
               <a:solidFill>
@@ -2799,7 +2799,7 @@
                 </a:solidFill>
               </a:rPr>
               <a:pPr/>
-              <a:t>2022-05-21</a:t>
+              <a:t>2022-05-22</a:t>
             </a:fld>
             <a:endParaRPr lang="ko-KR" altLang="en-US">
               <a:solidFill>
@@ -2972,7 +2972,7 @@
                 </a:solidFill>
               </a:rPr>
               <a:pPr/>
-              <a:t>2022-05-21</a:t>
+              <a:t>2022-05-22</a:t>
             </a:fld>
             <a:endParaRPr lang="ko-KR" altLang="en-US">
               <a:solidFill>
@@ -3117,7 +3117,7 @@
                 </a:solidFill>
               </a:rPr>
               <a:pPr/>
-              <a:t>2022-05-21</a:t>
+              <a:t>2022-05-22</a:t>
             </a:fld>
             <a:endParaRPr lang="ko-KR" altLang="en-US">
               <a:solidFill>
@@ -3460,7 +3460,7 @@
                 </a:solidFill>
               </a:rPr>
               <a:pPr/>
-              <a:t>2022-05-21</a:t>
+              <a:t>2022-05-22</a:t>
             </a:fld>
             <a:endParaRPr lang="ko-KR" altLang="en-US">
               <a:solidFill>
@@ -3780,7 +3780,7 @@
                 </a:solidFill>
               </a:rPr>
               <a:pPr/>
-              <a:t>2022-05-21</a:t>
+              <a:t>2022-05-22</a:t>
             </a:fld>
             <a:endParaRPr lang="ko-KR" altLang="en-US">
               <a:solidFill>
@@ -4053,7 +4053,7 @@
                 </a:solidFill>
               </a:rPr>
               <a:pPr/>
-              <a:t>2022-05-21</a:t>
+              <a:t>2022-05-22</a:t>
             </a:fld>
             <a:endParaRPr lang="ko-KR" altLang="en-US">
               <a:solidFill>
@@ -6827,6 +6827,88 @@
           </a:extLst>
         </p:spPr>
       </p:pic>
+      <p:cxnSp>
+        <p:nvCxnSpPr>
+          <p:cNvPr id="15" name="직선 연결선 14">
+            <a:extLst>
+              <a:ext uri="{FF2B5EF4-FFF2-40B4-BE49-F238E27FC236}">
+                <a16:creationId xmlns:a16="http://schemas.microsoft.com/office/drawing/2014/main" id="{8E26A456-7B6D-44B2-9FA0-D01433199E46}"/>
+              </a:ext>
+            </a:extLst>
+          </p:cNvPr>
+          <p:cNvCxnSpPr/>
+          <p:nvPr/>
+        </p:nvCxnSpPr>
+        <p:spPr>
+          <a:xfrm>
+            <a:off x="9151576" y="3551583"/>
+            <a:ext cx="2392017" cy="0"/>
+          </a:xfrm>
+          <a:prstGeom prst="line">
+            <a:avLst/>
+          </a:prstGeom>
+          <a:ln w="28575">
+            <a:solidFill>
+              <a:srgbClr val="FF0000"/>
+            </a:solidFill>
+          </a:ln>
+        </p:spPr>
+        <p:style>
+          <a:lnRef idx="1">
+            <a:schemeClr val="accent1"/>
+          </a:lnRef>
+          <a:fillRef idx="0">
+            <a:schemeClr val="accent1"/>
+          </a:fillRef>
+          <a:effectRef idx="0">
+            <a:schemeClr val="accent1"/>
+          </a:effectRef>
+          <a:fontRef idx="minor">
+            <a:schemeClr val="tx1"/>
+          </a:fontRef>
+        </p:style>
+      </p:cxnSp>
+      <p:cxnSp>
+        <p:nvCxnSpPr>
+          <p:cNvPr id="16" name="직선 연결선 15">
+            <a:extLst>
+              <a:ext uri="{FF2B5EF4-FFF2-40B4-BE49-F238E27FC236}">
+                <a16:creationId xmlns:a16="http://schemas.microsoft.com/office/drawing/2014/main" id="{8E26A456-7B6D-44B2-9FA0-D01433199E46}"/>
+              </a:ext>
+            </a:extLst>
+          </p:cNvPr>
+          <p:cNvCxnSpPr/>
+          <p:nvPr/>
+        </p:nvCxnSpPr>
+        <p:spPr>
+          <a:xfrm>
+            <a:off x="7355906" y="3982279"/>
+            <a:ext cx="1368000" cy="0"/>
+          </a:xfrm>
+          <a:prstGeom prst="line">
+            <a:avLst/>
+          </a:prstGeom>
+          <a:ln w="28575">
+            <a:solidFill>
+              <a:srgbClr val="FF0000"/>
+            </a:solidFill>
+          </a:ln>
+        </p:spPr>
+        <p:style>
+          <a:lnRef idx="1">
+            <a:schemeClr val="accent1"/>
+          </a:lnRef>
+          <a:fillRef idx="0">
+            <a:schemeClr val="accent1"/>
+          </a:fillRef>
+          <a:effectRef idx="0">
+            <a:schemeClr val="accent1"/>
+          </a:effectRef>
+          <a:fontRef idx="minor">
+            <a:schemeClr val="tx1"/>
+          </a:fontRef>
+        </p:style>
+      </p:cxnSp>
     </p:spTree>
     <p:extLst>
       <p:ext uri="{BB962C8B-B14F-4D97-AF65-F5344CB8AC3E}">
@@ -9538,6 +9620,10 @@
                 <a:spcPct val="150000"/>
               </a:lnSpc>
             </a:pPr>
+            <a:r>
+              <a:rPr lang="ko-KR" altLang="en-US" sz="1600" dirty="0"/>
+              <a:t/>
+            </a:r>
             <a:br>
               <a:rPr lang="ko-KR" altLang="en-US" sz="1600" dirty="0"/>
             </a:br>
@@ -9924,6 +10010,252 @@
           </a:p>
         </p:txBody>
       </p:sp>
+      <p:cxnSp>
+        <p:nvCxnSpPr>
+          <p:cNvPr id="15" name="직선 연결선 14">
+            <a:extLst>
+              <a:ext uri="{FF2B5EF4-FFF2-40B4-BE49-F238E27FC236}">
+                <a16:creationId xmlns:a16="http://schemas.microsoft.com/office/drawing/2014/main" id="{8E26A456-7B6D-44B2-9FA0-D01433199E46}"/>
+              </a:ext>
+            </a:extLst>
+          </p:cNvPr>
+          <p:cNvCxnSpPr/>
+          <p:nvPr/>
+        </p:nvCxnSpPr>
+        <p:spPr>
+          <a:xfrm>
+            <a:off x="10171992" y="3210338"/>
+            <a:ext cx="1059587" cy="0"/>
+          </a:xfrm>
+          <a:prstGeom prst="line">
+            <a:avLst/>
+          </a:prstGeom>
+          <a:ln w="28575">
+            <a:solidFill>
+              <a:srgbClr val="FF0000"/>
+            </a:solidFill>
+          </a:ln>
+        </p:spPr>
+        <p:style>
+          <a:lnRef idx="1">
+            <a:schemeClr val="accent1"/>
+          </a:lnRef>
+          <a:fillRef idx="0">
+            <a:schemeClr val="accent1"/>
+          </a:fillRef>
+          <a:effectRef idx="0">
+            <a:schemeClr val="accent1"/>
+          </a:effectRef>
+          <a:fontRef idx="minor">
+            <a:schemeClr val="tx1"/>
+          </a:fontRef>
+        </p:style>
+      </p:cxnSp>
+      <p:cxnSp>
+        <p:nvCxnSpPr>
+          <p:cNvPr id="16" name="직선 연결선 15">
+            <a:extLst>
+              <a:ext uri="{FF2B5EF4-FFF2-40B4-BE49-F238E27FC236}">
+                <a16:creationId xmlns:a16="http://schemas.microsoft.com/office/drawing/2014/main" id="{8E26A456-7B6D-44B2-9FA0-D01433199E46}"/>
+              </a:ext>
+            </a:extLst>
+          </p:cNvPr>
+          <p:cNvCxnSpPr/>
+          <p:nvPr/>
+        </p:nvCxnSpPr>
+        <p:spPr>
+          <a:xfrm>
+            <a:off x="9783046" y="4664029"/>
+            <a:ext cx="360000" cy="0"/>
+          </a:xfrm>
+          <a:prstGeom prst="line">
+            <a:avLst/>
+          </a:prstGeom>
+          <a:ln w="28575">
+            <a:solidFill>
+              <a:srgbClr val="FF0000"/>
+            </a:solidFill>
+          </a:ln>
+        </p:spPr>
+        <p:style>
+          <a:lnRef idx="1">
+            <a:schemeClr val="accent1"/>
+          </a:lnRef>
+          <a:fillRef idx="0">
+            <a:schemeClr val="accent1"/>
+          </a:fillRef>
+          <a:effectRef idx="0">
+            <a:schemeClr val="accent1"/>
+          </a:effectRef>
+          <a:fontRef idx="minor">
+            <a:schemeClr val="tx1"/>
+          </a:fontRef>
+        </p:style>
+      </p:cxnSp>
+      <p:cxnSp>
+        <p:nvCxnSpPr>
+          <p:cNvPr id="17" name="직선 연결선 16">
+            <a:extLst>
+              <a:ext uri="{FF2B5EF4-FFF2-40B4-BE49-F238E27FC236}">
+                <a16:creationId xmlns:a16="http://schemas.microsoft.com/office/drawing/2014/main" id="{8E26A456-7B6D-44B2-9FA0-D01433199E46}"/>
+              </a:ext>
+            </a:extLst>
+          </p:cNvPr>
+          <p:cNvCxnSpPr/>
+          <p:nvPr/>
+        </p:nvCxnSpPr>
+        <p:spPr>
+          <a:xfrm>
+            <a:off x="7838290" y="5054968"/>
+            <a:ext cx="1152000" cy="0"/>
+          </a:xfrm>
+          <a:prstGeom prst="line">
+            <a:avLst/>
+          </a:prstGeom>
+          <a:ln w="28575">
+            <a:solidFill>
+              <a:srgbClr val="FF0000"/>
+            </a:solidFill>
+          </a:ln>
+        </p:spPr>
+        <p:style>
+          <a:lnRef idx="1">
+            <a:schemeClr val="accent1"/>
+          </a:lnRef>
+          <a:fillRef idx="0">
+            <a:schemeClr val="accent1"/>
+          </a:fillRef>
+          <a:effectRef idx="0">
+            <a:schemeClr val="accent1"/>
+          </a:effectRef>
+          <a:fontRef idx="minor">
+            <a:schemeClr val="tx1"/>
+          </a:fontRef>
+        </p:style>
+      </p:cxnSp>
+      <p:cxnSp>
+        <p:nvCxnSpPr>
+          <p:cNvPr id="19" name="직선 연결선 18">
+            <a:extLst>
+              <a:ext uri="{FF2B5EF4-FFF2-40B4-BE49-F238E27FC236}">
+                <a16:creationId xmlns:a16="http://schemas.microsoft.com/office/drawing/2014/main" id="{8E26A456-7B6D-44B2-9FA0-D01433199E46}"/>
+              </a:ext>
+            </a:extLst>
+          </p:cNvPr>
+          <p:cNvCxnSpPr/>
+          <p:nvPr/>
+        </p:nvCxnSpPr>
+        <p:spPr>
+          <a:xfrm flipV="1">
+            <a:off x="8667530" y="3592679"/>
+            <a:ext cx="545333" cy="0"/>
+          </a:xfrm>
+          <a:prstGeom prst="line">
+            <a:avLst/>
+          </a:prstGeom>
+          <a:ln w="28575">
+            <a:solidFill>
+              <a:srgbClr val="FF0000"/>
+            </a:solidFill>
+          </a:ln>
+        </p:spPr>
+        <p:style>
+          <a:lnRef idx="1">
+            <a:schemeClr val="accent1"/>
+          </a:lnRef>
+          <a:fillRef idx="0">
+            <a:schemeClr val="accent1"/>
+          </a:fillRef>
+          <a:effectRef idx="0">
+            <a:schemeClr val="accent1"/>
+          </a:effectRef>
+          <a:fontRef idx="minor">
+            <a:schemeClr val="tx1"/>
+          </a:fontRef>
+        </p:style>
+      </p:cxnSp>
+      <p:cxnSp>
+        <p:nvCxnSpPr>
+          <p:cNvPr id="22" name="직선 연결선 21">
+            <a:extLst>
+              <a:ext uri="{FF2B5EF4-FFF2-40B4-BE49-F238E27FC236}">
+                <a16:creationId xmlns:a16="http://schemas.microsoft.com/office/drawing/2014/main" id="{8E26A456-7B6D-44B2-9FA0-D01433199E46}"/>
+              </a:ext>
+            </a:extLst>
+          </p:cNvPr>
+          <p:cNvCxnSpPr/>
+          <p:nvPr/>
+        </p:nvCxnSpPr>
+        <p:spPr>
+          <a:xfrm>
+            <a:off x="10125607" y="2855841"/>
+            <a:ext cx="1260000" cy="0"/>
+          </a:xfrm>
+          <a:prstGeom prst="line">
+            <a:avLst/>
+          </a:prstGeom>
+          <a:ln w="28575">
+            <a:solidFill>
+              <a:srgbClr val="FF0000"/>
+            </a:solidFill>
+          </a:ln>
+        </p:spPr>
+        <p:style>
+          <a:lnRef idx="1">
+            <a:schemeClr val="accent1"/>
+          </a:lnRef>
+          <a:fillRef idx="0">
+            <a:schemeClr val="accent1"/>
+          </a:fillRef>
+          <a:effectRef idx="0">
+            <a:schemeClr val="accent1"/>
+          </a:effectRef>
+          <a:fontRef idx="minor">
+            <a:schemeClr val="tx1"/>
+          </a:fontRef>
+        </p:style>
+      </p:cxnSp>
+      <p:cxnSp>
+        <p:nvCxnSpPr>
+          <p:cNvPr id="23" name="직선 연결선 22">
+            <a:extLst>
+              <a:ext uri="{FF2B5EF4-FFF2-40B4-BE49-F238E27FC236}">
+                <a16:creationId xmlns:a16="http://schemas.microsoft.com/office/drawing/2014/main" id="{8E26A456-7B6D-44B2-9FA0-D01433199E46}"/>
+              </a:ext>
+            </a:extLst>
+          </p:cNvPr>
+          <p:cNvCxnSpPr/>
+          <p:nvPr/>
+        </p:nvCxnSpPr>
+        <p:spPr>
+          <a:xfrm>
+            <a:off x="7391028" y="4664029"/>
+            <a:ext cx="360000" cy="0"/>
+          </a:xfrm>
+          <a:prstGeom prst="line">
+            <a:avLst/>
+          </a:prstGeom>
+          <a:ln w="28575">
+            <a:solidFill>
+              <a:srgbClr val="FF0000"/>
+            </a:solidFill>
+          </a:ln>
+        </p:spPr>
+        <p:style>
+          <a:lnRef idx="1">
+            <a:schemeClr val="accent1"/>
+          </a:lnRef>
+          <a:fillRef idx="0">
+            <a:schemeClr val="accent1"/>
+          </a:fillRef>
+          <a:effectRef idx="0">
+            <a:schemeClr val="accent1"/>
+          </a:effectRef>
+          <a:fontRef idx="minor">
+            <a:schemeClr val="tx1"/>
+          </a:fontRef>
+        </p:style>
+      </p:cxnSp>
     </p:spTree>
     <p:extLst>
       <p:ext uri="{BB962C8B-B14F-4D97-AF65-F5344CB8AC3E}">
@@ -10532,6 +10864,129 @@
           </a:extLst>
         </p:spPr>
       </p:pic>
+      <p:cxnSp>
+        <p:nvCxnSpPr>
+          <p:cNvPr id="11" name="직선 연결선 10">
+            <a:extLst>
+              <a:ext uri="{FF2B5EF4-FFF2-40B4-BE49-F238E27FC236}">
+                <a16:creationId xmlns:a16="http://schemas.microsoft.com/office/drawing/2014/main" id="{8E26A456-7B6D-44B2-9FA0-D01433199E46}"/>
+              </a:ext>
+            </a:extLst>
+          </p:cNvPr>
+          <p:cNvCxnSpPr/>
+          <p:nvPr/>
+        </p:nvCxnSpPr>
+        <p:spPr>
+          <a:xfrm flipV="1">
+            <a:off x="9744610" y="3101009"/>
+            <a:ext cx="1742748" cy="0"/>
+          </a:xfrm>
+          <a:prstGeom prst="line">
+            <a:avLst/>
+          </a:prstGeom>
+          <a:ln w="28575">
+            <a:solidFill>
+              <a:srgbClr val="FF0000"/>
+            </a:solidFill>
+          </a:ln>
+        </p:spPr>
+        <p:style>
+          <a:lnRef idx="1">
+            <a:schemeClr val="accent1"/>
+          </a:lnRef>
+          <a:fillRef idx="0">
+            <a:schemeClr val="accent1"/>
+          </a:fillRef>
+          <a:effectRef idx="0">
+            <a:schemeClr val="accent1"/>
+          </a:effectRef>
+          <a:fontRef idx="minor">
+            <a:schemeClr val="tx1"/>
+          </a:fontRef>
+        </p:style>
+      </p:cxnSp>
+      <p:cxnSp>
+        <p:nvCxnSpPr>
+          <p:cNvPr id="16" name="직선 연결선 15">
+            <a:extLst>
+              <a:ext uri="{FF2B5EF4-FFF2-40B4-BE49-F238E27FC236}">
+                <a16:creationId xmlns:a16="http://schemas.microsoft.com/office/drawing/2014/main" id="{8E26A456-7B6D-44B2-9FA0-D01433199E46}"/>
+              </a:ext>
+            </a:extLst>
+          </p:cNvPr>
+          <p:cNvCxnSpPr/>
+          <p:nvPr/>
+        </p:nvCxnSpPr>
+        <p:spPr>
+          <a:xfrm>
+            <a:off x="7352593" y="4813853"/>
+            <a:ext cx="2392017" cy="0"/>
+          </a:xfrm>
+          <a:prstGeom prst="line">
+            <a:avLst/>
+          </a:prstGeom>
+          <a:ln w="28575">
+            <a:solidFill>
+              <a:srgbClr val="FF0000"/>
+            </a:solidFill>
+          </a:ln>
+        </p:spPr>
+        <p:style>
+          <a:lnRef idx="1">
+            <a:schemeClr val="accent1"/>
+          </a:lnRef>
+          <a:fillRef idx="0">
+            <a:schemeClr val="accent1"/>
+          </a:fillRef>
+          <a:effectRef idx="0">
+            <a:schemeClr val="accent1"/>
+          </a:effectRef>
+          <a:fontRef idx="minor">
+            <a:schemeClr val="tx1"/>
+          </a:fontRef>
+        </p:style>
+      </p:cxnSp>
+      <p:cxnSp>
+        <p:nvCxnSpPr>
+          <p:cNvPr id="17" name="직선 연결선 16">
+            <a:extLst>
+              <a:ext uri="{FF2B5EF4-FFF2-40B4-BE49-F238E27FC236}">
+                <a16:creationId xmlns:a16="http://schemas.microsoft.com/office/drawing/2014/main" id="{8E26A456-7B6D-44B2-9FA0-D01433199E46}"/>
+              </a:ext>
+            </a:extLst>
+          </p:cNvPr>
+          <p:cNvCxnSpPr/>
+          <p:nvPr/>
+        </p:nvCxnSpPr>
+        <p:spPr>
+          <a:xfrm>
+            <a:off x="7621686" y="4555436"/>
+            <a:ext cx="1158625" cy="0"/>
+          </a:xfrm>
+          <a:prstGeom prst="line">
+            <a:avLst/>
+          </a:prstGeom>
+          <a:ln w="28575">
+            <a:solidFill>
+              <a:srgbClr val="FF0000"/>
+            </a:solidFill>
+          </a:ln>
+        </p:spPr>
+        <p:style>
+          <a:lnRef idx="1">
+            <a:schemeClr val="accent1"/>
+          </a:lnRef>
+          <a:fillRef idx="0">
+            <a:schemeClr val="accent1"/>
+          </a:fillRef>
+          <a:effectRef idx="0">
+            <a:schemeClr val="accent1"/>
+          </a:effectRef>
+          <a:fontRef idx="minor">
+            <a:schemeClr val="tx1"/>
+          </a:fontRef>
+        </p:style>
+      </p:cxnSp>
     </p:spTree>
     <p:extLst>
       <p:ext uri="{BB962C8B-B14F-4D97-AF65-F5344CB8AC3E}">
@@ -12122,7 +12577,7 @@
             <a:miter lim="800000"/>
             <a:extLst>
               <a:ext uri="{C807C97D-BFC1-408E-A445-0C87EB9F89A2}">
-                <ask:lineSketchStyleProps xmlns:ask="http://schemas.microsoft.com/office/drawing/2018/sketchyshapes" sd="1219033472">
+                <ask:lineSketchStyleProps xmlns:ask="http://schemas.microsoft.com/office/drawing/2018/sketchyshapes" xmlns="" sd="1219033472">
                   <a:custGeom>
                     <a:avLst/>
                     <a:gdLst>
@@ -13268,6 +13723,190 @@
           </a:prstGeom>
         </p:spPr>
       </p:pic>
+      <p:sp>
+        <p:nvSpPr>
+          <p:cNvPr id="38" name="직사각형 37"/>
+          <p:cNvSpPr/>
+          <p:nvPr/>
+        </p:nvSpPr>
+        <p:spPr>
+          <a:xfrm>
+            <a:off x="3978077" y="1655826"/>
+            <a:ext cx="2639505" cy="208239"/>
+          </a:xfrm>
+          <a:prstGeom prst="rect">
+            <a:avLst/>
+          </a:prstGeom>
+          <a:noFill/>
+          <a:ln w="38100">
+            <a:solidFill>
+              <a:srgbClr val="FF0000"/>
+            </a:solidFill>
+          </a:ln>
+        </p:spPr>
+        <p:style>
+          <a:lnRef idx="2">
+            <a:schemeClr val="accent1">
+              <a:shade val="50000"/>
+            </a:schemeClr>
+          </a:lnRef>
+          <a:fillRef idx="1">
+            <a:schemeClr val="accent1"/>
+          </a:fillRef>
+          <a:effectRef idx="0">
+            <a:schemeClr val="accent1"/>
+          </a:effectRef>
+          <a:fontRef idx="minor">
+            <a:schemeClr val="lt1"/>
+          </a:fontRef>
+        </p:style>
+        <p:txBody>
+          <a:bodyPr rtlCol="0" anchor="ctr"/>
+          <a:lstStyle/>
+          <a:p>
+            <a:pPr algn="ctr"/>
+            <a:endParaRPr lang="ko-KR" altLang="en-US"/>
+          </a:p>
+        </p:txBody>
+      </p:sp>
+      <p:sp>
+        <p:nvSpPr>
+          <p:cNvPr id="39" name="직사각형 38"/>
+          <p:cNvSpPr/>
+          <p:nvPr/>
+        </p:nvSpPr>
+        <p:spPr>
+          <a:xfrm>
+            <a:off x="6085594" y="3030096"/>
+            <a:ext cx="1980000" cy="208239"/>
+          </a:xfrm>
+          <a:prstGeom prst="rect">
+            <a:avLst/>
+          </a:prstGeom>
+          <a:noFill/>
+          <a:ln w="38100">
+            <a:solidFill>
+              <a:srgbClr val="FF0000"/>
+            </a:solidFill>
+          </a:ln>
+        </p:spPr>
+        <p:style>
+          <a:lnRef idx="2">
+            <a:schemeClr val="accent1">
+              <a:shade val="50000"/>
+            </a:schemeClr>
+          </a:lnRef>
+          <a:fillRef idx="1">
+            <a:schemeClr val="accent1"/>
+          </a:fillRef>
+          <a:effectRef idx="0">
+            <a:schemeClr val="accent1"/>
+          </a:effectRef>
+          <a:fontRef idx="minor">
+            <a:schemeClr val="lt1"/>
+          </a:fontRef>
+        </p:style>
+        <p:txBody>
+          <a:bodyPr rtlCol="0" anchor="ctr"/>
+          <a:lstStyle/>
+          <a:p>
+            <a:pPr algn="ctr"/>
+            <a:endParaRPr lang="ko-KR" altLang="en-US"/>
+          </a:p>
+        </p:txBody>
+      </p:sp>
+      <p:sp>
+        <p:nvSpPr>
+          <p:cNvPr id="40" name="직사각형 39"/>
+          <p:cNvSpPr/>
+          <p:nvPr/>
+        </p:nvSpPr>
+        <p:spPr>
+          <a:xfrm>
+            <a:off x="3146150" y="4627162"/>
+            <a:ext cx="1980000" cy="208239"/>
+          </a:xfrm>
+          <a:prstGeom prst="rect">
+            <a:avLst/>
+          </a:prstGeom>
+          <a:noFill/>
+          <a:ln w="38100">
+            <a:solidFill>
+              <a:srgbClr val="FF0000"/>
+            </a:solidFill>
+          </a:ln>
+        </p:spPr>
+        <p:style>
+          <a:lnRef idx="2">
+            <a:schemeClr val="accent1">
+              <a:shade val="50000"/>
+            </a:schemeClr>
+          </a:lnRef>
+          <a:fillRef idx="1">
+            <a:schemeClr val="accent1"/>
+          </a:fillRef>
+          <a:effectRef idx="0">
+            <a:schemeClr val="accent1"/>
+          </a:effectRef>
+          <a:fontRef idx="minor">
+            <a:schemeClr val="lt1"/>
+          </a:fontRef>
+        </p:style>
+        <p:txBody>
+          <a:bodyPr rtlCol="0" anchor="ctr"/>
+          <a:lstStyle/>
+          <a:p>
+            <a:pPr algn="ctr"/>
+            <a:endParaRPr lang="ko-KR" altLang="en-US"/>
+          </a:p>
+        </p:txBody>
+      </p:sp>
+      <p:sp>
+        <p:nvSpPr>
+          <p:cNvPr id="42" name="직사각형 41"/>
+          <p:cNvSpPr/>
+          <p:nvPr/>
+        </p:nvSpPr>
+        <p:spPr>
+          <a:xfrm>
+            <a:off x="6388542" y="5814495"/>
+            <a:ext cx="1800000" cy="208239"/>
+          </a:xfrm>
+          <a:prstGeom prst="rect">
+            <a:avLst/>
+          </a:prstGeom>
+          <a:noFill/>
+          <a:ln w="38100">
+            <a:solidFill>
+              <a:srgbClr val="FF0000"/>
+            </a:solidFill>
+          </a:ln>
+        </p:spPr>
+        <p:style>
+          <a:lnRef idx="2">
+            <a:schemeClr val="accent1">
+              <a:shade val="50000"/>
+            </a:schemeClr>
+          </a:lnRef>
+          <a:fillRef idx="1">
+            <a:schemeClr val="accent1"/>
+          </a:fillRef>
+          <a:effectRef idx="0">
+            <a:schemeClr val="accent1"/>
+          </a:effectRef>
+          <a:fontRef idx="minor">
+            <a:schemeClr val="lt1"/>
+          </a:fontRef>
+        </p:style>
+        <p:txBody>
+          <a:bodyPr rtlCol="0" anchor="ctr"/>
+          <a:lstStyle/>
+          <a:p>
+            <a:pPr algn="ctr"/>
+            <a:endParaRPr lang="ko-KR" altLang="en-US"/>
+          </a:p>
+        </p:txBody>
+      </p:sp>
     </p:spTree>
     <p:extLst>
       <p:ext uri="{BB962C8B-B14F-4D97-AF65-F5344CB8AC3E}">
@@ -15315,7 +15954,33 @@
       </a:bgFillStyleLst>
     </a:fmtScheme>
   </a:themeElements>
-  <a:objectDefaults/>
+  <a:objectDefaults>
+    <a:lnDef>
+      <a:spPr>
+        <a:ln w="28575">
+          <a:solidFill>
+            <a:srgbClr val="FF0000"/>
+          </a:solidFill>
+        </a:ln>
+      </a:spPr>
+      <a:bodyPr/>
+      <a:lstStyle/>
+      <a:style>
+        <a:lnRef idx="1">
+          <a:schemeClr val="accent1"/>
+        </a:lnRef>
+        <a:fillRef idx="0">
+          <a:schemeClr val="accent1"/>
+        </a:fillRef>
+        <a:effectRef idx="0">
+          <a:schemeClr val="accent1"/>
+        </a:effectRef>
+        <a:fontRef idx="minor">
+          <a:schemeClr val="tx1"/>
+        </a:fontRef>
+      </a:style>
+    </a:lnDef>
+  </a:objectDefaults>
   <a:extraClrSchemeLst/>
   <a:extLst>
     <a:ext uri="{05A4C25C-085E-4340-85A3-A5531E510DB2}">
